--- a/Sophia's Flowchart.pptx
+++ b/Sophia's Flowchart.pptx
@@ -107,6 +107,11 @@
       </a:defRPr>
     </a:lvl9pPr>
   </p:defaultTextStyle>
+  <p:extLst>
+    <p:ext uri="{EFAFB233-063F-42B5-8137-9DF3F51BA10A}">
+      <p15:sldGuideLst xmlns:p15="http://schemas.microsoft.com/office/powerpoint/2012/main"/>
+    </p:ext>
+  </p:extLst>
 </p:presentation>
 </file>
 
@@ -2982,6 +2987,10 @@
           <a:bodyPr/>
           <a:lstStyle/>
           <a:p>
+            <a:r>
+              <a:rPr lang="en-US" dirty="0" smtClean="0"/>
+              <a:t>Ezeh Sophia . C</a:t>
+            </a:r>
             <a:endParaRPr lang="en-US" dirty="0"/>
           </a:p>
         </p:txBody>
@@ -3000,6 +3009,12 @@
         <p:txBody>
           <a:bodyPr/>
           <a:lstStyle/>
+          <a:p>
+            <a:r>
+              <a:rPr lang="en-US" dirty="0" smtClean="0"/>
+              <a:t>Flowchart Diagrams</a:t>
+            </a:r>
+          </a:p>
           <a:p>
             <a:endParaRPr lang="en-US" dirty="0"/>
           </a:p>
@@ -4087,7 +4102,11 @@
             <a:pPr algn="ctr"/>
             <a:r>
               <a:rPr lang="en-US" dirty="0" smtClean="0"/>
-              <a:t>a = “First integer value”</a:t>
+              <a:t>a = “</a:t>
+            </a:r>
+            <a:r>
+              <a:rPr lang="en-US" dirty="0" smtClean="0"/>
+              <a:t>First value is”</a:t>
             </a:r>
             <a:endParaRPr lang="en-US" dirty="0"/>
           </a:p>
@@ -4129,7 +4148,287 @@
             <a:pPr algn="ctr"/>
             <a:r>
               <a:rPr lang="en-US" dirty="0" smtClean="0"/>
-              <a:t>b = “Second integer value”</a:t>
+              <a:t>b = “Second </a:t>
+            </a:r>
+            <a:r>
+              <a:rPr lang="en-US" dirty="0" smtClean="0"/>
+              <a:t>value is”</a:t>
+            </a:r>
+            <a:endParaRPr lang="en-US" dirty="0"/>
+          </a:p>
+        </p:txBody>
+      </p:sp>
+      <p:sp>
+        <p:nvSpPr>
+          <p:cNvPr id="7" name="Flowchart: Process 6"/>
+          <p:cNvSpPr/>
+          <p:nvPr/>
+        </p:nvSpPr>
+        <p:spPr>
+          <a:xfrm>
+            <a:off x="4602075" y="3466959"/>
+            <a:ext cx="2901616" cy="666532"/>
+          </a:xfrm>
+          <a:prstGeom prst="flowChartProcess">
+            <a:avLst/>
+          </a:prstGeom>
+        </p:spPr>
+        <p:style>
+          <a:lnRef idx="2">
+            <a:schemeClr val="accent6"/>
+          </a:lnRef>
+          <a:fillRef idx="1">
+            <a:schemeClr val="lt1"/>
+          </a:fillRef>
+          <a:effectRef idx="0">
+            <a:schemeClr val="accent6"/>
+          </a:effectRef>
+          <a:fontRef idx="minor">
+            <a:schemeClr val="dk1"/>
+          </a:fontRef>
+        </p:style>
+        <p:txBody>
+          <a:bodyPr rtlCol="0" anchor="ctr"/>
+          <a:lstStyle/>
+          <a:p>
+            <a:pPr algn="ctr"/>
+            <a:r>
+              <a:rPr lang="en-US" dirty="0" smtClean="0"/>
+              <a:t>Add = (</a:t>
+            </a:r>
+            <a:r>
+              <a:rPr lang="en-US" dirty="0" err="1" smtClean="0"/>
+              <a:t>a+b</a:t>
+            </a:r>
+            <a:r>
+              <a:rPr lang="en-US" dirty="0" smtClean="0"/>
+              <a:t>)</a:t>
+            </a:r>
+            <a:endParaRPr lang="en-US" dirty="0"/>
+          </a:p>
+        </p:txBody>
+      </p:sp>
+      <p:sp>
+        <p:nvSpPr>
+          <p:cNvPr id="8" name="Flowchart: Process 7"/>
+          <p:cNvSpPr/>
+          <p:nvPr/>
+        </p:nvSpPr>
+        <p:spPr>
+          <a:xfrm>
+            <a:off x="4602075" y="4396824"/>
+            <a:ext cx="2901616" cy="666532"/>
+          </a:xfrm>
+          <a:prstGeom prst="flowChartProcess">
+            <a:avLst/>
+          </a:prstGeom>
+        </p:spPr>
+        <p:style>
+          <a:lnRef idx="2">
+            <a:schemeClr val="accent6"/>
+          </a:lnRef>
+          <a:fillRef idx="1">
+            <a:schemeClr val="lt1"/>
+          </a:fillRef>
+          <a:effectRef idx="0">
+            <a:schemeClr val="accent6"/>
+          </a:effectRef>
+          <a:fontRef idx="minor">
+            <a:schemeClr val="dk1"/>
+          </a:fontRef>
+        </p:style>
+        <p:txBody>
+          <a:bodyPr rtlCol="0" anchor="ctr"/>
+          <a:lstStyle/>
+          <a:p>
+            <a:pPr algn="ctr"/>
+            <a:r>
+              <a:rPr lang="en-US" dirty="0" smtClean="0"/>
+              <a:t>Difference = (a-b)</a:t>
+            </a:r>
+            <a:endParaRPr lang="en-US" dirty="0"/>
+          </a:p>
+        </p:txBody>
+      </p:sp>
+      <p:sp>
+        <p:nvSpPr>
+          <p:cNvPr id="9" name="Flowchart: Decision 8"/>
+          <p:cNvSpPr/>
+          <p:nvPr/>
+        </p:nvSpPr>
+        <p:spPr>
+          <a:xfrm>
+            <a:off x="1043348" y="4227807"/>
+            <a:ext cx="1613624" cy="1004566"/>
+          </a:xfrm>
+          <a:prstGeom prst="flowChartDecision">
+            <a:avLst/>
+          </a:prstGeom>
+        </p:spPr>
+        <p:style>
+          <a:lnRef idx="2">
+            <a:schemeClr val="accent6"/>
+          </a:lnRef>
+          <a:fillRef idx="1">
+            <a:schemeClr val="lt1"/>
+          </a:fillRef>
+          <a:effectRef idx="0">
+            <a:schemeClr val="accent6"/>
+          </a:effectRef>
+          <a:fontRef idx="minor">
+            <a:schemeClr val="dk1"/>
+          </a:fontRef>
+        </p:style>
+        <p:txBody>
+          <a:bodyPr rtlCol="0" anchor="ctr"/>
+          <a:lstStyle/>
+          <a:p>
+            <a:pPr algn="ctr"/>
+            <a:r>
+              <a:rPr lang="en-US" dirty="0" smtClean="0"/>
+              <a:t>If </a:t>
+            </a:r>
+            <a:r>
+              <a:rPr lang="en-US" dirty="0" smtClean="0"/>
+              <a:t>a=b</a:t>
+            </a:r>
+            <a:endParaRPr lang="en-US" dirty="0"/>
+          </a:p>
+        </p:txBody>
+      </p:sp>
+      <p:sp>
+        <p:nvSpPr>
+          <p:cNvPr id="10" name="Flowchart: Decision 9"/>
+          <p:cNvSpPr/>
+          <p:nvPr/>
+        </p:nvSpPr>
+        <p:spPr>
+          <a:xfrm>
+            <a:off x="9288681" y="3158726"/>
+            <a:ext cx="1613624" cy="1004566"/>
+          </a:xfrm>
+          <a:prstGeom prst="flowChartDecision">
+            <a:avLst/>
+          </a:prstGeom>
+        </p:spPr>
+        <p:style>
+          <a:lnRef idx="2">
+            <a:schemeClr val="accent6"/>
+          </a:lnRef>
+          <a:fillRef idx="1">
+            <a:schemeClr val="lt1"/>
+          </a:fillRef>
+          <a:effectRef idx="0">
+            <a:schemeClr val="accent6"/>
+          </a:effectRef>
+          <a:fontRef idx="minor">
+            <a:schemeClr val="dk1"/>
+          </a:fontRef>
+        </p:style>
+        <p:txBody>
+          <a:bodyPr rtlCol="0" anchor="ctr"/>
+          <a:lstStyle/>
+          <a:p>
+            <a:pPr algn="ctr"/>
+            <a:r>
+              <a:rPr lang="en-US" dirty="0" smtClean="0"/>
+              <a:t>If </a:t>
+            </a:r>
+            <a:r>
+              <a:rPr lang="en-US" dirty="0" smtClean="0"/>
+              <a:t>add=5</a:t>
+            </a:r>
+            <a:endParaRPr lang="en-US" dirty="0"/>
+          </a:p>
+        </p:txBody>
+      </p:sp>
+      <p:sp>
+        <p:nvSpPr>
+          <p:cNvPr id="11" name="Flowchart: Decision 10"/>
+          <p:cNvSpPr/>
+          <p:nvPr/>
+        </p:nvSpPr>
+        <p:spPr>
+          <a:xfrm>
+            <a:off x="8144985" y="4227807"/>
+            <a:ext cx="1613624" cy="1004566"/>
+          </a:xfrm>
+          <a:prstGeom prst="flowChartDecision">
+            <a:avLst/>
+          </a:prstGeom>
+        </p:spPr>
+        <p:style>
+          <a:lnRef idx="2">
+            <a:schemeClr val="accent6"/>
+          </a:lnRef>
+          <a:fillRef idx="1">
+            <a:schemeClr val="lt1"/>
+          </a:fillRef>
+          <a:effectRef idx="0">
+            <a:schemeClr val="accent6"/>
+          </a:effectRef>
+          <a:fontRef idx="minor">
+            <a:schemeClr val="dk1"/>
+          </a:fontRef>
+        </p:style>
+        <p:txBody>
+          <a:bodyPr rtlCol="0" anchor="ctr"/>
+          <a:lstStyle/>
+          <a:p>
+            <a:pPr algn="ctr"/>
+            <a:r>
+              <a:rPr lang="en-US" sz="1100" dirty="0" smtClean="0"/>
+              <a:t>If </a:t>
+            </a:r>
+            <a:r>
+              <a:rPr lang="en-US" sz="1100" dirty="0" smtClean="0"/>
+              <a:t>difference =5</a:t>
+            </a:r>
+            <a:endParaRPr lang="en-US" sz="1100" dirty="0"/>
+          </a:p>
+        </p:txBody>
+      </p:sp>
+      <p:sp>
+        <p:nvSpPr>
+          <p:cNvPr id="12" name="Flowchart: Data 11"/>
+          <p:cNvSpPr/>
+          <p:nvPr/>
+        </p:nvSpPr>
+        <p:spPr>
+          <a:xfrm>
+            <a:off x="4418593" y="5810764"/>
+            <a:ext cx="3268579" cy="770021"/>
+          </a:xfrm>
+          <a:prstGeom prst="flowChartInputOutput">
+            <a:avLst/>
+          </a:prstGeom>
+        </p:spPr>
+        <p:style>
+          <a:lnRef idx="2">
+            <a:schemeClr val="accent6"/>
+          </a:lnRef>
+          <a:fillRef idx="1">
+            <a:schemeClr val="lt1"/>
+          </a:fillRef>
+          <a:effectRef idx="0">
+            <a:schemeClr val="accent6"/>
+          </a:effectRef>
+          <a:fontRef idx="minor">
+            <a:schemeClr val="dk1"/>
+          </a:fontRef>
+        </p:style>
+        <p:txBody>
+          <a:bodyPr rtlCol="0" anchor="ctr"/>
+          <a:lstStyle/>
+          <a:p>
+            <a:pPr algn="ctr"/>
+            <a:r>
+              <a:rPr lang="en-US" dirty="0" smtClean="0"/>
+              <a:t>PRINT </a:t>
+            </a:r>
+            <a:r>
+              <a:rPr lang="en-US" dirty="0" smtClean="0"/>
+              <a:t>TRUE</a:t>
             </a:r>
             <a:endParaRPr lang="en-US" dirty="0"/>
           </a:p>

--- a/Sophia's Flowchart.pptx
+++ b/Sophia's Flowchart.pptx
@@ -246,7 +246,7 @@
           <a:p>
             <a:fld id="{325B7926-2526-40A5-B5EF-A7B8962AB6EF}" type="datetimeFigureOut">
               <a:rPr lang="en-US" smtClean="0"/>
-              <a:t>4/16/2021</a:t>
+              <a:t>4/18/2021</a:t>
             </a:fld>
             <a:endParaRPr lang="en-US"/>
           </a:p>
@@ -416,7 +416,7 @@
           <a:p>
             <a:fld id="{325B7926-2526-40A5-B5EF-A7B8962AB6EF}" type="datetimeFigureOut">
               <a:rPr lang="en-US" smtClean="0"/>
-              <a:t>4/16/2021</a:t>
+              <a:t>4/18/2021</a:t>
             </a:fld>
             <a:endParaRPr lang="en-US"/>
           </a:p>
@@ -596,7 +596,7 @@
           <a:p>
             <a:fld id="{325B7926-2526-40A5-B5EF-A7B8962AB6EF}" type="datetimeFigureOut">
               <a:rPr lang="en-US" smtClean="0"/>
-              <a:t>4/16/2021</a:t>
+              <a:t>4/18/2021</a:t>
             </a:fld>
             <a:endParaRPr lang="en-US"/>
           </a:p>
@@ -766,7 +766,7 @@
           <a:p>
             <a:fld id="{325B7926-2526-40A5-B5EF-A7B8962AB6EF}" type="datetimeFigureOut">
               <a:rPr lang="en-US" smtClean="0"/>
-              <a:t>4/16/2021</a:t>
+              <a:t>4/18/2021</a:t>
             </a:fld>
             <a:endParaRPr lang="en-US"/>
           </a:p>
@@ -1012,7 +1012,7 @@
           <a:p>
             <a:fld id="{325B7926-2526-40A5-B5EF-A7B8962AB6EF}" type="datetimeFigureOut">
               <a:rPr lang="en-US" smtClean="0"/>
-              <a:t>4/16/2021</a:t>
+              <a:t>4/18/2021</a:t>
             </a:fld>
             <a:endParaRPr lang="en-US"/>
           </a:p>
@@ -1244,7 +1244,7 @@
           <a:p>
             <a:fld id="{325B7926-2526-40A5-B5EF-A7B8962AB6EF}" type="datetimeFigureOut">
               <a:rPr lang="en-US" smtClean="0"/>
-              <a:t>4/16/2021</a:t>
+              <a:t>4/18/2021</a:t>
             </a:fld>
             <a:endParaRPr lang="en-US"/>
           </a:p>
@@ -1611,7 +1611,7 @@
           <a:p>
             <a:fld id="{325B7926-2526-40A5-B5EF-A7B8962AB6EF}" type="datetimeFigureOut">
               <a:rPr lang="en-US" smtClean="0"/>
-              <a:t>4/16/2021</a:t>
+              <a:t>4/18/2021</a:t>
             </a:fld>
             <a:endParaRPr lang="en-US"/>
           </a:p>
@@ -1729,7 +1729,7 @@
           <a:p>
             <a:fld id="{325B7926-2526-40A5-B5EF-A7B8962AB6EF}" type="datetimeFigureOut">
               <a:rPr lang="en-US" smtClean="0"/>
-              <a:t>4/16/2021</a:t>
+              <a:t>4/18/2021</a:t>
             </a:fld>
             <a:endParaRPr lang="en-US"/>
           </a:p>
@@ -1824,7 +1824,7 @@
           <a:p>
             <a:fld id="{325B7926-2526-40A5-B5EF-A7B8962AB6EF}" type="datetimeFigureOut">
               <a:rPr lang="en-US" smtClean="0"/>
-              <a:t>4/16/2021</a:t>
+              <a:t>4/18/2021</a:t>
             </a:fld>
             <a:endParaRPr lang="en-US"/>
           </a:p>
@@ -2101,7 +2101,7 @@
           <a:p>
             <a:fld id="{325B7926-2526-40A5-B5EF-A7B8962AB6EF}" type="datetimeFigureOut">
               <a:rPr lang="en-US" smtClean="0"/>
-              <a:t>4/16/2021</a:t>
+              <a:t>4/18/2021</a:t>
             </a:fld>
             <a:endParaRPr lang="en-US"/>
           </a:p>
@@ -2354,7 +2354,7 @@
           <a:p>
             <a:fld id="{325B7926-2526-40A5-B5EF-A7B8962AB6EF}" type="datetimeFigureOut">
               <a:rPr lang="en-US" smtClean="0"/>
-              <a:t>4/16/2021</a:t>
+              <a:t>4/18/2021</a:t>
             </a:fld>
             <a:endParaRPr lang="en-US"/>
           </a:p>
@@ -2567,7 +2567,7 @@
           <a:p>
             <a:fld id="{325B7926-2526-40A5-B5EF-A7B8962AB6EF}" type="datetimeFigureOut">
               <a:rPr lang="en-US" smtClean="0"/>
-              <a:t>4/16/2021</a:t>
+              <a:t>4/18/2021</a:t>
             </a:fld>
             <a:endParaRPr lang="en-US"/>
           </a:p>
@@ -2983,6 +2983,22 @@
           </p:nvPr>
         </p:nvSpPr>
         <p:spPr/>
+        <p:style>
+          <a:lnRef idx="2">
+            <a:schemeClr val="dk1">
+              <a:shade val="50000"/>
+            </a:schemeClr>
+          </a:lnRef>
+          <a:fillRef idx="1">
+            <a:schemeClr val="dk1"/>
+          </a:fillRef>
+          <a:effectRef idx="0">
+            <a:schemeClr val="dk1"/>
+          </a:effectRef>
+          <a:fontRef idx="minor">
+            <a:schemeClr val="lt1"/>
+          </a:fontRef>
+        </p:style>
         <p:txBody>
           <a:bodyPr/>
           <a:lstStyle/>
@@ -3005,18 +3021,43 @@
             <p:ph type="subTitle" idx="1"/>
           </p:nvPr>
         </p:nvSpPr>
-        <p:spPr/>
-        <p:txBody>
-          <a:bodyPr/>
-          <a:lstStyle/>
-          <a:p>
-            <a:r>
-              <a:rPr lang="en-US" dirty="0" smtClean="0"/>
-              <a:t>Flowchart Diagrams</a:t>
-            </a:r>
-          </a:p>
-          <a:p>
-            <a:endParaRPr lang="en-US" dirty="0"/>
+        <p:spPr>
+          <a:xfrm>
+            <a:off x="1524000" y="3748342"/>
+            <a:ext cx="9144000" cy="909002"/>
+          </a:xfrm>
+        </p:spPr>
+        <p:style>
+          <a:lnRef idx="2">
+            <a:schemeClr val="dk1">
+              <a:shade val="50000"/>
+            </a:schemeClr>
+          </a:lnRef>
+          <a:fillRef idx="1">
+            <a:schemeClr val="dk1"/>
+          </a:fillRef>
+          <a:effectRef idx="0">
+            <a:schemeClr val="dk1"/>
+          </a:effectRef>
+          <a:fontRef idx="minor">
+            <a:schemeClr val="lt1"/>
+          </a:fontRef>
+        </p:style>
+        <p:txBody>
+          <a:bodyPr>
+            <a:normAutofit/>
+          </a:bodyPr>
+          <a:lstStyle/>
+          <a:p>
+            <a:r>
+              <a:rPr lang="en-US" sz="3200" dirty="0" smtClean="0"/>
+              <a:t>Flowchart </a:t>
+            </a:r>
+            <a:r>
+              <a:rPr lang="en-US" sz="3200" dirty="0" smtClean="0"/>
+              <a:t>Diagrams</a:t>
+            </a:r>
+            <a:endParaRPr lang="en-US" sz="3200" dirty="0" smtClean="0"/>
           </a:p>
         </p:txBody>
       </p:sp>
@@ -3063,9 +3104,23 @@
         <p:spPr>
           <a:xfrm>
             <a:off x="838200" y="365125"/>
-            <a:ext cx="2868168" cy="789907"/>
-          </a:xfrm>
-        </p:spPr>
+            <a:ext cx="3026664" cy="789907"/>
+          </a:xfrm>
+        </p:spPr>
+        <p:style>
+          <a:lnRef idx="1">
+            <a:schemeClr val="dk1"/>
+          </a:lnRef>
+          <a:fillRef idx="2">
+            <a:schemeClr val="dk1"/>
+          </a:fillRef>
+          <a:effectRef idx="1">
+            <a:schemeClr val="dk1"/>
+          </a:effectRef>
+          <a:fontRef idx="minor">
+            <a:schemeClr val="dk1"/>
+          </a:fontRef>
+        </p:style>
         <p:txBody>
           <a:bodyPr/>
           <a:lstStyle/>
@@ -3086,8 +3141,8 @@
         </p:nvSpPr>
         <p:spPr>
           <a:xfrm>
-            <a:off x="4699331" y="859037"/>
-            <a:ext cx="2987843" cy="890337"/>
+            <a:off x="4699331" y="895614"/>
+            <a:ext cx="2987843" cy="721898"/>
           </a:xfrm>
           <a:prstGeom prst="flowChartTerminator">
             <a:avLst/>
@@ -3095,16 +3150,18 @@
         </p:spPr>
         <p:style>
           <a:lnRef idx="2">
-            <a:schemeClr val="accent6"/>
+            <a:schemeClr val="dk1">
+              <a:shade val="50000"/>
+            </a:schemeClr>
           </a:lnRef>
           <a:fillRef idx="1">
-            <a:schemeClr val="lt1"/>
+            <a:schemeClr val="dk1"/>
           </a:fillRef>
           <a:effectRef idx="0">
-            <a:schemeClr val="accent6"/>
+            <a:schemeClr val="dk1"/>
           </a:effectRef>
           <a:fontRef idx="minor">
-            <a:schemeClr val="dk1"/>
+            <a:schemeClr val="lt1"/>
           </a:fontRef>
         </p:style>
         <p:txBody>
@@ -3128,8 +3185,8 @@
         </p:nvSpPr>
         <p:spPr>
           <a:xfrm>
-            <a:off x="4418595" y="2012706"/>
-            <a:ext cx="3268579" cy="770021"/>
+            <a:off x="4401671" y="1914892"/>
+            <a:ext cx="3268579" cy="697831"/>
           </a:xfrm>
           <a:prstGeom prst="flowChartInputOutput">
             <a:avLst/>
@@ -3137,16 +3194,18 @@
         </p:spPr>
         <p:style>
           <a:lnRef idx="2">
-            <a:schemeClr val="accent6"/>
+            <a:schemeClr val="dk1">
+              <a:shade val="50000"/>
+            </a:schemeClr>
           </a:lnRef>
           <a:fillRef idx="1">
-            <a:schemeClr val="lt1"/>
+            <a:schemeClr val="dk1"/>
           </a:fillRef>
           <a:effectRef idx="0">
-            <a:schemeClr val="accent6"/>
+            <a:schemeClr val="dk1"/>
           </a:effectRef>
           <a:fontRef idx="minor">
-            <a:schemeClr val="dk1"/>
+            <a:schemeClr val="lt1"/>
           </a:fontRef>
         </p:style>
         <p:txBody>
@@ -3170,7 +3229,7 @@
         </p:nvSpPr>
         <p:spPr>
           <a:xfrm>
-            <a:off x="4275218" y="3187878"/>
+            <a:off x="4275218" y="2972308"/>
             <a:ext cx="2901616" cy="697832"/>
           </a:xfrm>
           <a:prstGeom prst="flowChartProcess">
@@ -3179,16 +3238,18 @@
         </p:spPr>
         <p:style>
           <a:lnRef idx="2">
-            <a:schemeClr val="accent6"/>
+            <a:schemeClr val="dk1">
+              <a:shade val="50000"/>
+            </a:schemeClr>
           </a:lnRef>
           <a:fillRef idx="1">
-            <a:schemeClr val="lt1"/>
+            <a:schemeClr val="dk1"/>
           </a:fillRef>
           <a:effectRef idx="0">
-            <a:schemeClr val="accent6"/>
+            <a:schemeClr val="dk1"/>
           </a:effectRef>
           <a:fontRef idx="minor">
-            <a:schemeClr val="dk1"/>
+            <a:schemeClr val="lt1"/>
           </a:fontRef>
         </p:style>
         <p:txBody>
@@ -3221,16 +3282,18 @@
         </p:spPr>
         <p:style>
           <a:lnRef idx="2">
-            <a:schemeClr val="accent6"/>
+            <a:schemeClr val="dk1">
+              <a:shade val="50000"/>
+            </a:schemeClr>
           </a:lnRef>
           <a:fillRef idx="1">
-            <a:schemeClr val="lt1"/>
+            <a:schemeClr val="dk1"/>
           </a:fillRef>
           <a:effectRef idx="0">
-            <a:schemeClr val="accent6"/>
+            <a:schemeClr val="dk1"/>
           </a:effectRef>
           <a:fontRef idx="minor">
-            <a:schemeClr val="dk1"/>
+            <a:schemeClr val="lt1"/>
           </a:fontRef>
         </p:style>
         <p:txBody>
@@ -3263,16 +3326,18 @@
         </p:spPr>
         <p:style>
           <a:lnRef idx="2">
-            <a:schemeClr val="accent6"/>
+            <a:schemeClr val="dk1">
+              <a:shade val="50000"/>
+            </a:schemeClr>
           </a:lnRef>
           <a:fillRef idx="1">
-            <a:schemeClr val="lt1"/>
+            <a:schemeClr val="dk1"/>
           </a:fillRef>
           <a:effectRef idx="0">
-            <a:schemeClr val="accent6"/>
+            <a:schemeClr val="dk1"/>
           </a:effectRef>
           <a:fontRef idx="minor">
-            <a:schemeClr val="dk1"/>
+            <a:schemeClr val="lt1"/>
           </a:fontRef>
         </p:style>
         <p:txBody>
@@ -3305,16 +3370,18 @@
         </p:spPr>
         <p:style>
           <a:lnRef idx="2">
-            <a:schemeClr val="accent6"/>
+            <a:schemeClr val="dk1">
+              <a:shade val="50000"/>
+            </a:schemeClr>
           </a:lnRef>
           <a:fillRef idx="1">
-            <a:schemeClr val="lt1"/>
+            <a:schemeClr val="dk1"/>
           </a:fillRef>
           <a:effectRef idx="0">
-            <a:schemeClr val="accent6"/>
+            <a:schemeClr val="dk1"/>
           </a:effectRef>
           <a:fontRef idx="minor">
-            <a:schemeClr val="dk1"/>
+            <a:schemeClr val="lt1"/>
           </a:fontRef>
         </p:style>
         <p:txBody>
@@ -3352,13 +3419,13 @@
         </p:spPr>
         <p:style>
           <a:lnRef idx="1">
-            <a:schemeClr val="accent1"/>
+            <a:schemeClr val="dk1"/>
           </a:lnRef>
           <a:fillRef idx="0">
-            <a:schemeClr val="accent1"/>
+            <a:schemeClr val="dk1"/>
           </a:fillRef>
           <a:effectRef idx="0">
-            <a:schemeClr val="accent1"/>
+            <a:schemeClr val="dk1"/>
           </a:effectRef>
           <a:fontRef idx="minor">
             <a:schemeClr val="tx1"/>
@@ -3387,14 +3454,14 @@
           </a:ln>
         </p:spPr>
         <p:style>
-          <a:lnRef idx="1">
-            <a:schemeClr val="accent1"/>
+          <a:lnRef idx="2">
+            <a:schemeClr val="dk1"/>
           </a:lnRef>
           <a:fillRef idx="0">
-            <a:schemeClr val="accent1"/>
+            <a:schemeClr val="dk1"/>
           </a:fillRef>
-          <a:effectRef idx="0">
-            <a:schemeClr val="accent1"/>
+          <a:effectRef idx="1">
+            <a:schemeClr val="dk1"/>
           </a:effectRef>
           <a:fontRef idx="minor">
             <a:schemeClr val="tx1"/>
@@ -3412,8 +3479,8 @@
         </p:nvCxnSpPr>
         <p:spPr>
           <a:xfrm>
-            <a:off x="5726026" y="3885710"/>
-            <a:ext cx="0" cy="145743"/>
+            <a:off x="5726026" y="3670140"/>
+            <a:ext cx="0" cy="361313"/>
           </a:xfrm>
           <a:prstGeom prst="straightConnector1">
             <a:avLst/>
@@ -3423,14 +3490,14 @@
           </a:ln>
         </p:spPr>
         <p:style>
-          <a:lnRef idx="1">
-            <a:schemeClr val="accent1"/>
+          <a:lnRef idx="2">
+            <a:schemeClr val="dk1"/>
           </a:lnRef>
           <a:fillRef idx="0">
-            <a:schemeClr val="accent1"/>
+            <a:schemeClr val="dk1"/>
           </a:fillRef>
-          <a:effectRef idx="0">
-            <a:schemeClr val="accent1"/>
+          <a:effectRef idx="1">
+            <a:schemeClr val="dk1"/>
           </a:effectRef>
           <a:fontRef idx="minor">
             <a:schemeClr val="tx1"/>
@@ -3447,9 +3514,9 @@
           <p:nvPr/>
         </p:nvCxnSpPr>
         <p:spPr>
-          <a:xfrm flipH="1">
-            <a:off x="5726026" y="2782727"/>
-            <a:ext cx="1" cy="405151"/>
+          <a:xfrm>
+            <a:off x="5709103" y="2612723"/>
+            <a:ext cx="16923" cy="359585"/>
           </a:xfrm>
           <a:prstGeom prst="straightConnector1">
             <a:avLst/>
@@ -3459,14 +3526,14 @@
           </a:ln>
         </p:spPr>
         <p:style>
-          <a:lnRef idx="1">
-            <a:schemeClr val="accent1"/>
+          <a:lnRef idx="2">
+            <a:schemeClr val="dk1"/>
           </a:lnRef>
           <a:fillRef idx="0">
-            <a:schemeClr val="accent1"/>
+            <a:schemeClr val="dk1"/>
           </a:fillRef>
-          <a:effectRef idx="0">
-            <a:schemeClr val="accent1"/>
+          <a:effectRef idx="1">
+            <a:schemeClr val="dk1"/>
           </a:effectRef>
           <a:fontRef idx="minor">
             <a:schemeClr val="tx1"/>
@@ -3476,15 +3543,13 @@
       <p:cxnSp>
         <p:nvCxnSpPr>
           <p:cNvPr id="26" name="Straight Arrow Connector 25"/>
-          <p:cNvCxnSpPr>
-            <a:stCxn id="3" idx="2"/>
-          </p:cNvCxnSpPr>
+          <p:cNvCxnSpPr/>
           <p:nvPr/>
         </p:nvCxnSpPr>
         <p:spPr>
-          <a:xfrm flipH="1">
-            <a:off x="6193252" y="1749374"/>
-            <a:ext cx="1" cy="288758"/>
+          <a:xfrm>
+            <a:off x="6193252" y="1580936"/>
+            <a:ext cx="0" cy="333955"/>
           </a:xfrm>
           <a:prstGeom prst="straightConnector1">
             <a:avLst/>
@@ -3494,14 +3559,14 @@
           </a:ln>
         </p:spPr>
         <p:style>
-          <a:lnRef idx="1">
-            <a:schemeClr val="accent1"/>
+          <a:lnRef idx="2">
+            <a:schemeClr val="dk1"/>
           </a:lnRef>
           <a:fillRef idx="0">
-            <a:schemeClr val="accent1"/>
+            <a:schemeClr val="dk1"/>
           </a:fillRef>
-          <a:effectRef idx="0">
-            <a:schemeClr val="accent1"/>
+          <a:effectRef idx="1">
+            <a:schemeClr val="dk1"/>
           </a:effectRef>
           <a:fontRef idx="minor">
             <a:schemeClr val="tx1"/>
@@ -3542,7 +3607,7 @@
         </p:nvSpPr>
         <p:spPr>
           <a:xfrm>
-            <a:off x="7032012" y="4520555"/>
+            <a:off x="7044204" y="4703493"/>
             <a:ext cx="638238" cy="369332"/>
           </a:xfrm>
           <a:prstGeom prst="rect">
@@ -3572,7 +3637,7 @@
         </p:nvSpPr>
         <p:spPr>
           <a:xfrm>
-            <a:off x="5455760" y="5374117"/>
+            <a:off x="5948051" y="5340067"/>
             <a:ext cx="597124" cy="369332"/>
           </a:xfrm>
           <a:prstGeom prst="rect">
@@ -3637,9 +3702,23 @@
         <p:spPr>
           <a:xfrm>
             <a:off x="838199" y="365126"/>
-            <a:ext cx="3637547" cy="717716"/>
-          </a:xfrm>
-        </p:spPr>
+            <a:ext cx="2952751" cy="717716"/>
+          </a:xfrm>
+        </p:spPr>
+        <p:style>
+          <a:lnRef idx="1">
+            <a:schemeClr val="dk1"/>
+          </a:lnRef>
+          <a:fillRef idx="2">
+            <a:schemeClr val="dk1"/>
+          </a:fillRef>
+          <a:effectRef idx="1">
+            <a:schemeClr val="dk1"/>
+          </a:effectRef>
+          <a:fontRef idx="minor">
+            <a:schemeClr val="dk1"/>
+          </a:fontRef>
+        </p:style>
         <p:txBody>
           <a:bodyPr>
             <a:normAutofit/>
@@ -3648,7 +3727,11 @@
           <a:p>
             <a:r>
               <a:rPr lang="en-US" dirty="0" smtClean="0"/>
-              <a:t>EXERCISE 2</a:t>
+              <a:t>Exercise </a:t>
+            </a:r>
+            <a:r>
+              <a:rPr lang="en-US" dirty="0" smtClean="0"/>
+              <a:t>2</a:t>
             </a:r>
             <a:endParaRPr lang="en-US" dirty="0"/>
           </a:p>
@@ -3671,16 +3754,18 @@
         </p:spPr>
         <p:style>
           <a:lnRef idx="2">
-            <a:schemeClr val="accent6"/>
+            <a:schemeClr val="dk1">
+              <a:shade val="50000"/>
+            </a:schemeClr>
           </a:lnRef>
           <a:fillRef idx="1">
-            <a:schemeClr val="lt1"/>
+            <a:schemeClr val="dk1"/>
           </a:fillRef>
           <a:effectRef idx="0">
-            <a:schemeClr val="accent6"/>
+            <a:schemeClr val="dk1"/>
           </a:effectRef>
           <a:fontRef idx="minor">
-            <a:schemeClr val="dk1"/>
+            <a:schemeClr val="lt1"/>
           </a:fontRef>
         </p:style>
         <p:txBody>
@@ -3704,7 +3789,7 @@
         </p:nvSpPr>
         <p:spPr>
           <a:xfrm>
-            <a:off x="4418595" y="2012707"/>
+            <a:off x="4418593" y="2012707"/>
             <a:ext cx="3268579" cy="463793"/>
           </a:xfrm>
           <a:prstGeom prst="flowChartInputOutput">
@@ -3713,16 +3798,18 @@
         </p:spPr>
         <p:style>
           <a:lnRef idx="2">
-            <a:schemeClr val="accent6"/>
+            <a:schemeClr val="dk1">
+              <a:shade val="50000"/>
+            </a:schemeClr>
           </a:lnRef>
           <a:fillRef idx="1">
-            <a:schemeClr val="lt1"/>
+            <a:schemeClr val="dk1"/>
           </a:fillRef>
           <a:effectRef idx="0">
-            <a:schemeClr val="accent6"/>
+            <a:schemeClr val="dk1"/>
           </a:effectRef>
           <a:fontRef idx="minor">
-            <a:schemeClr val="dk1"/>
+            <a:schemeClr val="lt1"/>
           </a:fontRef>
         </p:style>
         <p:txBody>
@@ -3755,16 +3842,18 @@
         </p:spPr>
         <p:style>
           <a:lnRef idx="2">
-            <a:schemeClr val="accent6"/>
+            <a:schemeClr val="dk1">
+              <a:shade val="50000"/>
+            </a:schemeClr>
           </a:lnRef>
           <a:fillRef idx="1">
-            <a:schemeClr val="lt1"/>
+            <a:schemeClr val="dk1"/>
           </a:fillRef>
           <a:effectRef idx="0">
-            <a:schemeClr val="accent6"/>
+            <a:schemeClr val="dk1"/>
           </a:effectRef>
           <a:fontRef idx="minor">
-            <a:schemeClr val="dk1"/>
+            <a:schemeClr val="lt1"/>
           </a:fontRef>
         </p:style>
         <p:txBody>
@@ -3797,16 +3886,18 @@
         </p:spPr>
         <p:style>
           <a:lnRef idx="2">
-            <a:schemeClr val="accent6"/>
+            <a:schemeClr val="dk1">
+              <a:shade val="50000"/>
+            </a:schemeClr>
           </a:lnRef>
           <a:fillRef idx="1">
-            <a:schemeClr val="lt1"/>
+            <a:schemeClr val="dk1"/>
           </a:fillRef>
           <a:effectRef idx="0">
-            <a:schemeClr val="accent6"/>
+            <a:schemeClr val="dk1"/>
           </a:effectRef>
           <a:fontRef idx="minor">
-            <a:schemeClr val="dk1"/>
+            <a:schemeClr val="lt1"/>
           </a:fontRef>
         </p:style>
         <p:txBody>
@@ -3843,16 +3934,18 @@
         </p:spPr>
         <p:style>
           <a:lnRef idx="2">
-            <a:schemeClr val="accent6"/>
+            <a:schemeClr val="dk1">
+              <a:shade val="50000"/>
+            </a:schemeClr>
           </a:lnRef>
           <a:fillRef idx="1">
-            <a:schemeClr val="lt1"/>
+            <a:schemeClr val="dk1"/>
           </a:fillRef>
           <a:effectRef idx="0">
-            <a:schemeClr val="accent6"/>
+            <a:schemeClr val="dk1"/>
           </a:effectRef>
           <a:fontRef idx="minor">
-            <a:schemeClr val="dk1"/>
+            <a:schemeClr val="lt1"/>
           </a:fontRef>
         </p:style>
         <p:txBody>
@@ -3876,7 +3969,7 @@
         </p:nvSpPr>
         <p:spPr>
           <a:xfrm>
-            <a:off x="8183475" y="4366972"/>
+            <a:off x="8341971" y="4249699"/>
             <a:ext cx="3268579" cy="770021"/>
           </a:xfrm>
           <a:prstGeom prst="flowChartInputOutput">
@@ -3885,16 +3978,18 @@
         </p:spPr>
         <p:style>
           <a:lnRef idx="2">
-            <a:schemeClr val="accent6"/>
+            <a:schemeClr val="dk1">
+              <a:shade val="50000"/>
+            </a:schemeClr>
           </a:lnRef>
           <a:fillRef idx="1">
-            <a:schemeClr val="lt1"/>
+            <a:schemeClr val="dk1"/>
           </a:fillRef>
           <a:effectRef idx="0">
-            <a:schemeClr val="accent6"/>
+            <a:schemeClr val="dk1"/>
           </a:effectRef>
           <a:fontRef idx="minor">
-            <a:schemeClr val="dk1"/>
+            <a:schemeClr val="lt1"/>
           </a:fontRef>
         </p:style>
         <p:txBody>
@@ -3935,16 +4030,18 @@
         </p:spPr>
         <p:style>
           <a:lnRef idx="2">
-            <a:schemeClr val="accent6"/>
+            <a:schemeClr val="dk1">
+              <a:shade val="50000"/>
+            </a:schemeClr>
           </a:lnRef>
           <a:fillRef idx="1">
-            <a:schemeClr val="lt1"/>
+            <a:schemeClr val="dk1"/>
           </a:fillRef>
           <a:effectRef idx="0">
-            <a:schemeClr val="accent6"/>
+            <a:schemeClr val="dk1"/>
           </a:effectRef>
           <a:fontRef idx="minor">
-            <a:schemeClr val="dk1"/>
+            <a:schemeClr val="lt1"/>
           </a:fontRef>
         </p:style>
         <p:txBody>
@@ -3964,6 +4061,218 @@
           </a:p>
         </p:txBody>
       </p:sp>
+      <p:cxnSp>
+        <p:nvCxnSpPr>
+          <p:cNvPr id="4" name="Straight Arrow Connector 3"/>
+          <p:cNvCxnSpPr>
+            <a:stCxn id="5" idx="2"/>
+          </p:cNvCxnSpPr>
+          <p:nvPr/>
+        </p:nvCxnSpPr>
+        <p:spPr>
+          <a:xfrm flipH="1">
+            <a:off x="6193252" y="1749374"/>
+            <a:ext cx="1" cy="263333"/>
+          </a:xfrm>
+          <a:prstGeom prst="straightConnector1">
+            <a:avLst/>
+          </a:prstGeom>
+          <a:ln>
+            <a:tailEnd type="triangle"/>
+          </a:ln>
+        </p:spPr>
+        <p:style>
+          <a:lnRef idx="2">
+            <a:schemeClr val="dk1"/>
+          </a:lnRef>
+          <a:fillRef idx="0">
+            <a:schemeClr val="dk1"/>
+          </a:fillRef>
+          <a:effectRef idx="1">
+            <a:schemeClr val="dk1"/>
+          </a:effectRef>
+          <a:fontRef idx="minor">
+            <a:schemeClr val="tx1"/>
+          </a:fontRef>
+        </p:style>
+      </p:cxnSp>
+      <p:cxnSp>
+        <p:nvCxnSpPr>
+          <p:cNvPr id="13" name="Straight Arrow Connector 12"/>
+          <p:cNvCxnSpPr>
+            <a:stCxn id="6" idx="4"/>
+            <a:endCxn id="7" idx="1"/>
+          </p:cNvCxnSpPr>
+          <p:nvPr/>
+        </p:nvCxnSpPr>
+        <p:spPr>
+          <a:xfrm>
+            <a:off x="6052883" y="2476500"/>
+            <a:ext cx="1" cy="263333"/>
+          </a:xfrm>
+          <a:prstGeom prst="straightConnector1">
+            <a:avLst/>
+          </a:prstGeom>
+          <a:ln>
+            <a:tailEnd type="triangle"/>
+          </a:ln>
+        </p:spPr>
+        <p:style>
+          <a:lnRef idx="2">
+            <a:schemeClr val="dk1"/>
+          </a:lnRef>
+          <a:fillRef idx="0">
+            <a:schemeClr val="dk1"/>
+          </a:fillRef>
+          <a:effectRef idx="1">
+            <a:schemeClr val="dk1"/>
+          </a:effectRef>
+          <a:fontRef idx="minor">
+            <a:schemeClr val="tx1"/>
+          </a:fontRef>
+        </p:style>
+      </p:cxnSp>
+      <p:cxnSp>
+        <p:nvCxnSpPr>
+          <p:cNvPr id="15" name="Straight Arrow Connector 14"/>
+          <p:cNvCxnSpPr>
+            <a:stCxn id="7" idx="4"/>
+            <a:endCxn id="8" idx="1"/>
+          </p:cNvCxnSpPr>
+          <p:nvPr/>
+        </p:nvCxnSpPr>
+        <p:spPr>
+          <a:xfrm flipH="1">
+            <a:off x="6052883" y="3203626"/>
+            <a:ext cx="1" cy="263333"/>
+          </a:xfrm>
+          <a:prstGeom prst="straightConnector1">
+            <a:avLst/>
+          </a:prstGeom>
+          <a:ln>
+            <a:tailEnd type="triangle"/>
+          </a:ln>
+        </p:spPr>
+        <p:style>
+          <a:lnRef idx="2">
+            <a:schemeClr val="dk1"/>
+          </a:lnRef>
+          <a:fillRef idx="0">
+            <a:schemeClr val="dk1"/>
+          </a:fillRef>
+          <a:effectRef idx="1">
+            <a:schemeClr val="dk1"/>
+          </a:effectRef>
+          <a:fontRef idx="minor">
+            <a:schemeClr val="tx1"/>
+          </a:fontRef>
+        </p:style>
+      </p:cxnSp>
+      <p:cxnSp>
+        <p:nvCxnSpPr>
+          <p:cNvPr id="17" name="Straight Arrow Connector 16"/>
+          <p:cNvCxnSpPr>
+            <a:stCxn id="8" idx="4"/>
+            <a:endCxn id="9" idx="0"/>
+          </p:cNvCxnSpPr>
+          <p:nvPr/>
+        </p:nvCxnSpPr>
+        <p:spPr>
+          <a:xfrm flipH="1">
+            <a:off x="6052882" y="3930752"/>
+            <a:ext cx="1" cy="201675"/>
+          </a:xfrm>
+          <a:prstGeom prst="straightConnector1">
+            <a:avLst/>
+          </a:prstGeom>
+          <a:ln>
+            <a:tailEnd type="triangle"/>
+          </a:ln>
+        </p:spPr>
+        <p:style>
+          <a:lnRef idx="2">
+            <a:schemeClr val="dk1"/>
+          </a:lnRef>
+          <a:fillRef idx="0">
+            <a:schemeClr val="dk1"/>
+          </a:fillRef>
+          <a:effectRef idx="1">
+            <a:schemeClr val="dk1"/>
+          </a:effectRef>
+          <a:fontRef idx="minor">
+            <a:schemeClr val="tx1"/>
+          </a:fontRef>
+        </p:style>
+      </p:cxnSp>
+      <p:cxnSp>
+        <p:nvCxnSpPr>
+          <p:cNvPr id="20" name="Straight Arrow Connector 19"/>
+          <p:cNvCxnSpPr>
+            <a:stCxn id="9" idx="2"/>
+            <a:endCxn id="11" idx="0"/>
+          </p:cNvCxnSpPr>
+          <p:nvPr/>
+        </p:nvCxnSpPr>
+        <p:spPr>
+          <a:xfrm>
+            <a:off x="6052882" y="5136993"/>
+            <a:ext cx="3009" cy="601582"/>
+          </a:xfrm>
+          <a:prstGeom prst="straightConnector1">
+            <a:avLst/>
+          </a:prstGeom>
+          <a:ln>
+            <a:tailEnd type="triangle"/>
+          </a:ln>
+        </p:spPr>
+        <p:style>
+          <a:lnRef idx="2">
+            <a:schemeClr val="dk1"/>
+          </a:lnRef>
+          <a:fillRef idx="0">
+            <a:schemeClr val="dk1"/>
+          </a:fillRef>
+          <a:effectRef idx="1">
+            <a:schemeClr val="dk1"/>
+          </a:effectRef>
+          <a:fontRef idx="minor">
+            <a:schemeClr val="tx1"/>
+          </a:fontRef>
+        </p:style>
+      </p:cxnSp>
+      <p:cxnSp>
+        <p:nvCxnSpPr>
+          <p:cNvPr id="25" name="Straight Arrow Connector 24"/>
+          <p:cNvCxnSpPr/>
+          <p:nvPr/>
+        </p:nvCxnSpPr>
+        <p:spPr>
+          <a:xfrm>
+            <a:off x="6859694" y="4646902"/>
+            <a:ext cx="1809135" cy="0"/>
+          </a:xfrm>
+          <a:prstGeom prst="straightConnector1">
+            <a:avLst/>
+          </a:prstGeom>
+          <a:ln>
+            <a:tailEnd type="triangle"/>
+          </a:ln>
+        </p:spPr>
+        <p:style>
+          <a:lnRef idx="2">
+            <a:schemeClr val="dk1"/>
+          </a:lnRef>
+          <a:fillRef idx="0">
+            <a:schemeClr val="dk1"/>
+          </a:fillRef>
+          <a:effectRef idx="1">
+            <a:schemeClr val="dk1"/>
+          </a:effectRef>
+          <a:fontRef idx="minor">
+            <a:schemeClr val="tx1"/>
+          </a:fontRef>
+        </p:style>
+      </p:cxnSp>
     </p:spTree>
     <p:extLst>
       <p:ext uri="{BB962C8B-B14F-4D97-AF65-F5344CB8AC3E}">
@@ -4006,10 +4315,24 @@
         </p:nvSpPr>
         <p:spPr>
           <a:xfrm>
-            <a:off x="838199" y="365126"/>
-            <a:ext cx="3637547" cy="717716"/>
-          </a:xfrm>
-        </p:spPr>
+            <a:off x="838199" y="328550"/>
+            <a:ext cx="2855977" cy="717716"/>
+          </a:xfrm>
+        </p:spPr>
+        <p:style>
+          <a:lnRef idx="1">
+            <a:schemeClr val="dk1"/>
+          </a:lnRef>
+          <a:fillRef idx="2">
+            <a:schemeClr val="dk1"/>
+          </a:fillRef>
+          <a:effectRef idx="1">
+            <a:schemeClr val="dk1"/>
+          </a:effectRef>
+          <a:fontRef idx="minor">
+            <a:schemeClr val="dk1"/>
+          </a:fontRef>
+        </p:style>
         <p:txBody>
           <a:bodyPr>
             <a:normAutofit/>
@@ -4018,7 +4341,15 @@
           <a:p>
             <a:r>
               <a:rPr lang="en-US" dirty="0" smtClean="0"/>
-              <a:t>EXERCISE 3</a:t>
+              <a:t>Exercise</a:t>
+            </a:r>
+            <a:r>
+              <a:rPr lang="en-US" dirty="0" smtClean="0"/>
+              <a:t> </a:t>
+            </a:r>
+            <a:r>
+              <a:rPr lang="en-US" dirty="0" smtClean="0"/>
+              <a:t>3</a:t>
             </a:r>
             <a:endParaRPr lang="en-US" dirty="0"/>
           </a:p>
@@ -4032,8 +4363,8 @@
         </p:nvSpPr>
         <p:spPr>
           <a:xfrm>
-            <a:off x="4699331" y="1082842"/>
-            <a:ext cx="2987843" cy="666532"/>
+            <a:off x="4699331" y="1119418"/>
+            <a:ext cx="2987843" cy="648422"/>
           </a:xfrm>
           <a:prstGeom prst="flowChartTerminator">
             <a:avLst/>
@@ -4041,16 +4372,18 @@
         </p:spPr>
         <p:style>
           <a:lnRef idx="2">
-            <a:schemeClr val="accent6"/>
+            <a:schemeClr val="dk1">
+              <a:shade val="50000"/>
+            </a:schemeClr>
           </a:lnRef>
           <a:fillRef idx="1">
-            <a:schemeClr val="lt1"/>
+            <a:schemeClr val="dk1"/>
           </a:fillRef>
           <a:effectRef idx="0">
-            <a:schemeClr val="accent6"/>
+            <a:schemeClr val="dk1"/>
           </a:effectRef>
           <a:fontRef idx="minor">
-            <a:schemeClr val="dk1"/>
+            <a:schemeClr val="lt1"/>
           </a:fontRef>
         </p:style>
         <p:txBody>
@@ -4083,16 +4416,18 @@
         </p:spPr>
         <p:style>
           <a:lnRef idx="2">
-            <a:schemeClr val="accent6"/>
+            <a:schemeClr val="dk1">
+              <a:shade val="50000"/>
+            </a:schemeClr>
           </a:lnRef>
           <a:fillRef idx="1">
-            <a:schemeClr val="lt1"/>
+            <a:schemeClr val="dk1"/>
           </a:fillRef>
           <a:effectRef idx="0">
-            <a:schemeClr val="accent6"/>
+            <a:schemeClr val="dk1"/>
           </a:effectRef>
           <a:fontRef idx="minor">
-            <a:schemeClr val="dk1"/>
+            <a:schemeClr val="lt1"/>
           </a:fontRef>
         </p:style>
         <p:txBody>
@@ -4102,11 +4437,7 @@
             <a:pPr algn="ctr"/>
             <a:r>
               <a:rPr lang="en-US" dirty="0" smtClean="0"/>
-              <a:t>a = “</a:t>
-            </a:r>
-            <a:r>
-              <a:rPr lang="en-US" dirty="0" smtClean="0"/>
-              <a:t>First value is”</a:t>
+              <a:t>a = “First value is”</a:t>
             </a:r>
             <a:endParaRPr lang="en-US" dirty="0"/>
           </a:p>
@@ -4129,16 +4460,18 @@
         </p:spPr>
         <p:style>
           <a:lnRef idx="2">
-            <a:schemeClr val="accent6"/>
+            <a:schemeClr val="dk1">
+              <a:shade val="50000"/>
+            </a:schemeClr>
           </a:lnRef>
           <a:fillRef idx="1">
-            <a:schemeClr val="lt1"/>
+            <a:schemeClr val="dk1"/>
           </a:fillRef>
           <a:effectRef idx="0">
-            <a:schemeClr val="accent6"/>
+            <a:schemeClr val="dk1"/>
           </a:effectRef>
           <a:fontRef idx="minor">
-            <a:schemeClr val="dk1"/>
+            <a:schemeClr val="lt1"/>
           </a:fontRef>
         </p:style>
         <p:txBody>
@@ -4148,11 +4481,7 @@
             <a:pPr algn="ctr"/>
             <a:r>
               <a:rPr lang="en-US" dirty="0" smtClean="0"/>
-              <a:t>b = “Second </a:t>
-            </a:r>
-            <a:r>
-              <a:rPr lang="en-US" dirty="0" smtClean="0"/>
-              <a:t>value is”</a:t>
+              <a:t>b = “Second value is”</a:t>
             </a:r>
             <a:endParaRPr lang="en-US" dirty="0"/>
           </a:p>
@@ -4175,16 +4504,18 @@
         </p:spPr>
         <p:style>
           <a:lnRef idx="2">
-            <a:schemeClr val="accent6"/>
+            <a:schemeClr val="dk1">
+              <a:shade val="50000"/>
+            </a:schemeClr>
           </a:lnRef>
           <a:fillRef idx="1">
-            <a:schemeClr val="lt1"/>
+            <a:schemeClr val="dk1"/>
           </a:fillRef>
           <a:effectRef idx="0">
-            <a:schemeClr val="accent6"/>
+            <a:schemeClr val="dk1"/>
           </a:effectRef>
           <a:fontRef idx="minor">
-            <a:schemeClr val="dk1"/>
+            <a:schemeClr val="lt1"/>
           </a:fontRef>
         </p:style>
         <p:txBody>
@@ -4225,16 +4556,18 @@
         </p:spPr>
         <p:style>
           <a:lnRef idx="2">
-            <a:schemeClr val="accent6"/>
+            <a:schemeClr val="dk1">
+              <a:shade val="50000"/>
+            </a:schemeClr>
           </a:lnRef>
           <a:fillRef idx="1">
-            <a:schemeClr val="lt1"/>
+            <a:schemeClr val="dk1"/>
           </a:fillRef>
           <a:effectRef idx="0">
-            <a:schemeClr val="accent6"/>
+            <a:schemeClr val="dk1"/>
           </a:effectRef>
           <a:fontRef idx="minor">
-            <a:schemeClr val="dk1"/>
+            <a:schemeClr val="lt1"/>
           </a:fontRef>
         </p:style>
         <p:txBody>
@@ -4258,7 +4591,7 @@
         </p:nvSpPr>
         <p:spPr>
           <a:xfrm>
-            <a:off x="1043348" y="4227807"/>
+            <a:off x="1061868" y="2861187"/>
             <a:ext cx="1613624" cy="1004566"/>
           </a:xfrm>
           <a:prstGeom prst="flowChartDecision">
@@ -4267,16 +4600,18 @@
         </p:spPr>
         <p:style>
           <a:lnRef idx="2">
-            <a:schemeClr val="accent6"/>
+            <a:schemeClr val="dk1">
+              <a:shade val="50000"/>
+            </a:schemeClr>
           </a:lnRef>
           <a:fillRef idx="1">
-            <a:schemeClr val="lt1"/>
+            <a:schemeClr val="dk1"/>
           </a:fillRef>
           <a:effectRef idx="0">
-            <a:schemeClr val="accent6"/>
+            <a:schemeClr val="dk1"/>
           </a:effectRef>
           <a:fontRef idx="minor">
-            <a:schemeClr val="dk1"/>
+            <a:schemeClr val="lt1"/>
           </a:fontRef>
         </p:style>
         <p:txBody>
@@ -4284,10 +4619,6 @@
           <a:lstStyle/>
           <a:p>
             <a:pPr algn="ctr"/>
-            <a:r>
-              <a:rPr lang="en-US" dirty="0" smtClean="0"/>
-              <a:t>If </a:t>
-            </a:r>
             <a:r>
               <a:rPr lang="en-US" dirty="0" smtClean="0"/>
               <a:t>a=b</a:t>
@@ -4304,7 +4635,7 @@
         </p:nvSpPr>
         <p:spPr>
           <a:xfrm>
-            <a:off x="9288681" y="3158726"/>
+            <a:off x="9593091" y="3297942"/>
             <a:ext cx="1613624" cy="1004566"/>
           </a:xfrm>
           <a:prstGeom prst="flowChartDecision">
@@ -4313,16 +4644,18 @@
         </p:spPr>
         <p:style>
           <a:lnRef idx="2">
-            <a:schemeClr val="accent6"/>
+            <a:schemeClr val="dk1">
+              <a:shade val="50000"/>
+            </a:schemeClr>
           </a:lnRef>
           <a:fillRef idx="1">
-            <a:schemeClr val="lt1"/>
+            <a:schemeClr val="dk1"/>
           </a:fillRef>
           <a:effectRef idx="0">
-            <a:schemeClr val="accent6"/>
+            <a:schemeClr val="dk1"/>
           </a:effectRef>
           <a:fontRef idx="minor">
-            <a:schemeClr val="dk1"/>
+            <a:schemeClr val="lt1"/>
           </a:fontRef>
         </p:style>
         <p:txBody>
@@ -4330,10 +4663,6 @@
           <a:lstStyle/>
           <a:p>
             <a:pPr algn="ctr"/>
-            <a:r>
-              <a:rPr lang="en-US" dirty="0" smtClean="0"/>
-              <a:t>If </a:t>
-            </a:r>
             <a:r>
               <a:rPr lang="en-US" dirty="0" smtClean="0"/>
               <a:t>add=5</a:t>
@@ -4350,7 +4679,7 @@
         </p:nvSpPr>
         <p:spPr>
           <a:xfrm>
-            <a:off x="8144985" y="4227807"/>
+            <a:off x="8147687" y="4227807"/>
             <a:ext cx="1613624" cy="1004566"/>
           </a:xfrm>
           <a:prstGeom prst="flowChartDecision">
@@ -4359,16 +4688,18 @@
         </p:spPr>
         <p:style>
           <a:lnRef idx="2">
-            <a:schemeClr val="accent6"/>
+            <a:schemeClr val="dk1">
+              <a:shade val="50000"/>
+            </a:schemeClr>
           </a:lnRef>
           <a:fillRef idx="1">
-            <a:schemeClr val="lt1"/>
+            <a:schemeClr val="dk1"/>
           </a:fillRef>
           <a:effectRef idx="0">
-            <a:schemeClr val="accent6"/>
+            <a:schemeClr val="dk1"/>
           </a:effectRef>
           <a:fontRef idx="minor">
-            <a:schemeClr val="dk1"/>
+            <a:schemeClr val="lt1"/>
           </a:fontRef>
         </p:style>
         <p:txBody>
@@ -4378,11 +4709,11 @@
             <a:pPr algn="ctr"/>
             <a:r>
               <a:rPr lang="en-US" sz="1100" dirty="0" smtClean="0"/>
-              <a:t>If </a:t>
+              <a:t>difference </a:t>
             </a:r>
             <a:r>
               <a:rPr lang="en-US" sz="1100" dirty="0" smtClean="0"/>
-              <a:t>difference =5</a:t>
+              <a:t>=5</a:t>
             </a:r>
             <a:endParaRPr lang="en-US" sz="1100" dirty="0"/>
           </a:p>
@@ -4405,16 +4736,18 @@
         </p:spPr>
         <p:style>
           <a:lnRef idx="2">
-            <a:schemeClr val="accent6"/>
+            <a:schemeClr val="dk1">
+              <a:shade val="50000"/>
+            </a:schemeClr>
           </a:lnRef>
           <a:fillRef idx="1">
-            <a:schemeClr val="lt1"/>
+            <a:schemeClr val="dk1"/>
           </a:fillRef>
           <a:effectRef idx="0">
-            <a:schemeClr val="accent6"/>
+            <a:schemeClr val="dk1"/>
           </a:effectRef>
           <a:fontRef idx="minor">
-            <a:schemeClr val="dk1"/>
+            <a:schemeClr val="lt1"/>
           </a:fontRef>
         </p:style>
         <p:txBody>
@@ -4424,16 +4757,397 @@
             <a:pPr algn="ctr"/>
             <a:r>
               <a:rPr lang="en-US" dirty="0" smtClean="0"/>
-              <a:t>PRINT </a:t>
-            </a:r>
-            <a:r>
-              <a:rPr lang="en-US" dirty="0" smtClean="0"/>
-              <a:t>TRUE</a:t>
+              <a:t>PRINT TRUE</a:t>
             </a:r>
             <a:endParaRPr lang="en-US" dirty="0"/>
           </a:p>
         </p:txBody>
       </p:sp>
+      <p:cxnSp>
+        <p:nvCxnSpPr>
+          <p:cNvPr id="15" name="Straight Arrow Connector 14"/>
+          <p:cNvCxnSpPr>
+            <a:stCxn id="4" idx="2"/>
+          </p:cNvCxnSpPr>
+          <p:nvPr/>
+        </p:nvCxnSpPr>
+        <p:spPr>
+          <a:xfrm>
+            <a:off x="6193253" y="1767840"/>
+            <a:ext cx="283" cy="244867"/>
+          </a:xfrm>
+          <a:prstGeom prst="straightConnector1">
+            <a:avLst/>
+          </a:prstGeom>
+          <a:ln>
+            <a:tailEnd type="triangle"/>
+          </a:ln>
+        </p:spPr>
+        <p:style>
+          <a:lnRef idx="2">
+            <a:schemeClr val="dk1"/>
+          </a:lnRef>
+          <a:fillRef idx="0">
+            <a:schemeClr val="dk1"/>
+          </a:fillRef>
+          <a:effectRef idx="1">
+            <a:schemeClr val="dk1"/>
+          </a:effectRef>
+          <a:fontRef idx="minor">
+            <a:schemeClr val="tx1"/>
+          </a:fontRef>
+        </p:style>
+      </p:cxnSp>
+      <p:cxnSp>
+        <p:nvCxnSpPr>
+          <p:cNvPr id="17" name="Straight Arrow Connector 16"/>
+          <p:cNvCxnSpPr>
+            <a:stCxn id="5" idx="4"/>
+            <a:endCxn id="6" idx="1"/>
+          </p:cNvCxnSpPr>
+          <p:nvPr/>
+        </p:nvCxnSpPr>
+        <p:spPr>
+          <a:xfrm flipH="1">
+            <a:off x="6052884" y="2476500"/>
+            <a:ext cx="1" cy="263333"/>
+          </a:xfrm>
+          <a:prstGeom prst="straightConnector1">
+            <a:avLst/>
+          </a:prstGeom>
+          <a:ln>
+            <a:tailEnd type="triangle"/>
+          </a:ln>
+        </p:spPr>
+        <p:style>
+          <a:lnRef idx="2">
+            <a:schemeClr val="dk1"/>
+          </a:lnRef>
+          <a:fillRef idx="0">
+            <a:schemeClr val="dk1"/>
+          </a:fillRef>
+          <a:effectRef idx="1">
+            <a:schemeClr val="dk1"/>
+          </a:effectRef>
+          <a:fontRef idx="minor">
+            <a:schemeClr val="tx1"/>
+          </a:fontRef>
+        </p:style>
+      </p:cxnSp>
+      <p:cxnSp>
+        <p:nvCxnSpPr>
+          <p:cNvPr id="19" name="Straight Arrow Connector 18"/>
+          <p:cNvCxnSpPr>
+            <a:stCxn id="6" idx="4"/>
+            <a:endCxn id="7" idx="0"/>
+          </p:cNvCxnSpPr>
+          <p:nvPr/>
+        </p:nvCxnSpPr>
+        <p:spPr>
+          <a:xfrm flipH="1">
+            <a:off x="6052883" y="3203626"/>
+            <a:ext cx="1" cy="263333"/>
+          </a:xfrm>
+          <a:prstGeom prst="straightConnector1">
+            <a:avLst/>
+          </a:prstGeom>
+          <a:ln>
+            <a:tailEnd type="triangle"/>
+          </a:ln>
+        </p:spPr>
+        <p:style>
+          <a:lnRef idx="2">
+            <a:schemeClr val="dk1"/>
+          </a:lnRef>
+          <a:fillRef idx="0">
+            <a:schemeClr val="dk1"/>
+          </a:fillRef>
+          <a:effectRef idx="1">
+            <a:schemeClr val="dk1"/>
+          </a:effectRef>
+          <a:fontRef idx="minor">
+            <a:schemeClr val="tx1"/>
+          </a:fontRef>
+        </p:style>
+      </p:cxnSp>
+      <p:cxnSp>
+        <p:nvCxnSpPr>
+          <p:cNvPr id="22" name="Straight Arrow Connector 21"/>
+          <p:cNvCxnSpPr>
+            <a:stCxn id="7" idx="2"/>
+            <a:endCxn id="8" idx="0"/>
+          </p:cNvCxnSpPr>
+          <p:nvPr/>
+        </p:nvCxnSpPr>
+        <p:spPr>
+          <a:xfrm>
+            <a:off x="6052883" y="4133491"/>
+            <a:ext cx="0" cy="263333"/>
+          </a:xfrm>
+          <a:prstGeom prst="straightConnector1">
+            <a:avLst/>
+          </a:prstGeom>
+          <a:ln>
+            <a:tailEnd type="triangle"/>
+          </a:ln>
+        </p:spPr>
+        <p:style>
+          <a:lnRef idx="2">
+            <a:schemeClr val="dk1"/>
+          </a:lnRef>
+          <a:fillRef idx="0">
+            <a:schemeClr val="dk1"/>
+          </a:fillRef>
+          <a:effectRef idx="1">
+            <a:schemeClr val="dk1"/>
+          </a:effectRef>
+          <a:fontRef idx="minor">
+            <a:schemeClr val="tx1"/>
+          </a:fontRef>
+        </p:style>
+      </p:cxnSp>
+      <p:cxnSp>
+        <p:nvCxnSpPr>
+          <p:cNvPr id="25" name="Straight Arrow Connector 24"/>
+          <p:cNvCxnSpPr>
+            <a:stCxn id="8" idx="2"/>
+            <a:endCxn id="12" idx="1"/>
+          </p:cNvCxnSpPr>
+          <p:nvPr/>
+        </p:nvCxnSpPr>
+        <p:spPr>
+          <a:xfrm>
+            <a:off x="6052883" y="5063356"/>
+            <a:ext cx="0" cy="747408"/>
+          </a:xfrm>
+          <a:prstGeom prst="straightConnector1">
+            <a:avLst/>
+          </a:prstGeom>
+          <a:ln>
+            <a:tailEnd type="triangle"/>
+          </a:ln>
+        </p:spPr>
+        <p:style>
+          <a:lnRef idx="2">
+            <a:schemeClr val="dk1"/>
+          </a:lnRef>
+          <a:fillRef idx="0">
+            <a:schemeClr val="dk1"/>
+          </a:fillRef>
+          <a:effectRef idx="1">
+            <a:schemeClr val="dk1"/>
+          </a:effectRef>
+          <a:fontRef idx="minor">
+            <a:schemeClr val="tx1"/>
+          </a:fontRef>
+        </p:style>
+      </p:cxnSp>
+      <p:cxnSp>
+        <p:nvCxnSpPr>
+          <p:cNvPr id="27" name="Straight Arrow Connector 26"/>
+          <p:cNvCxnSpPr>
+            <a:stCxn id="8" idx="3"/>
+            <a:endCxn id="11" idx="1"/>
+          </p:cNvCxnSpPr>
+          <p:nvPr/>
+        </p:nvCxnSpPr>
+        <p:spPr>
+          <a:xfrm>
+            <a:off x="7503691" y="4730090"/>
+            <a:ext cx="643996" cy="0"/>
+          </a:xfrm>
+          <a:prstGeom prst="straightConnector1">
+            <a:avLst/>
+          </a:prstGeom>
+          <a:ln>
+            <a:tailEnd type="triangle"/>
+          </a:ln>
+        </p:spPr>
+        <p:style>
+          <a:lnRef idx="2">
+            <a:schemeClr val="dk1"/>
+          </a:lnRef>
+          <a:fillRef idx="0">
+            <a:schemeClr val="dk1"/>
+          </a:fillRef>
+          <a:effectRef idx="1">
+            <a:schemeClr val="dk1"/>
+          </a:effectRef>
+          <a:fontRef idx="minor">
+            <a:schemeClr val="tx1"/>
+          </a:fontRef>
+        </p:style>
+      </p:cxnSp>
+      <p:cxnSp>
+        <p:nvCxnSpPr>
+          <p:cNvPr id="29" name="Straight Arrow Connector 28"/>
+          <p:cNvCxnSpPr>
+            <a:stCxn id="7" idx="3"/>
+            <a:endCxn id="10" idx="1"/>
+          </p:cNvCxnSpPr>
+          <p:nvPr/>
+        </p:nvCxnSpPr>
+        <p:spPr>
+          <a:xfrm>
+            <a:off x="7503691" y="3800225"/>
+            <a:ext cx="2089400" cy="0"/>
+          </a:xfrm>
+          <a:prstGeom prst="straightConnector1">
+            <a:avLst/>
+          </a:prstGeom>
+          <a:ln>
+            <a:tailEnd type="triangle"/>
+          </a:ln>
+        </p:spPr>
+        <p:style>
+          <a:lnRef idx="2">
+            <a:schemeClr val="dk1"/>
+          </a:lnRef>
+          <a:fillRef idx="0">
+            <a:schemeClr val="dk1"/>
+          </a:fillRef>
+          <a:effectRef idx="1">
+            <a:schemeClr val="dk1"/>
+          </a:effectRef>
+          <a:fontRef idx="minor">
+            <a:schemeClr val="tx1"/>
+          </a:fontRef>
+        </p:style>
+      </p:cxnSp>
+      <p:cxnSp>
+        <p:nvCxnSpPr>
+          <p:cNvPr id="31" name="Straight Arrow Connector 30"/>
+          <p:cNvCxnSpPr/>
+          <p:nvPr/>
+        </p:nvCxnSpPr>
+        <p:spPr>
+          <a:xfrm flipH="1">
+            <a:off x="2648490" y="3363470"/>
+            <a:ext cx="3404392" cy="0"/>
+          </a:xfrm>
+          <a:prstGeom prst="straightConnector1">
+            <a:avLst/>
+          </a:prstGeom>
+          <a:ln>
+            <a:tailEnd type="triangle"/>
+          </a:ln>
+        </p:spPr>
+        <p:style>
+          <a:lnRef idx="2">
+            <a:schemeClr val="dk1"/>
+          </a:lnRef>
+          <a:fillRef idx="0">
+            <a:schemeClr val="dk1"/>
+          </a:fillRef>
+          <a:effectRef idx="1">
+            <a:schemeClr val="dk1"/>
+          </a:effectRef>
+          <a:fontRef idx="minor">
+            <a:schemeClr val="tx1"/>
+          </a:fontRef>
+        </p:style>
+      </p:cxnSp>
+      <p:cxnSp>
+        <p:nvCxnSpPr>
+          <p:cNvPr id="34" name="Elbow Connector 33"/>
+          <p:cNvCxnSpPr/>
+          <p:nvPr/>
+        </p:nvCxnSpPr>
+        <p:spPr>
+          <a:xfrm rot="16200000" flipH="1">
+            <a:off x="3119049" y="2615385"/>
+            <a:ext cx="1693799" cy="4194534"/>
+          </a:xfrm>
+          <a:prstGeom prst="bentConnector2">
+            <a:avLst/>
+          </a:prstGeom>
+          <a:ln>
+            <a:tailEnd type="triangle"/>
+          </a:ln>
+        </p:spPr>
+        <p:style>
+          <a:lnRef idx="2">
+            <a:schemeClr val="dk1"/>
+          </a:lnRef>
+          <a:fillRef idx="0">
+            <a:schemeClr val="dk1"/>
+          </a:fillRef>
+          <a:effectRef idx="1">
+            <a:schemeClr val="dk1"/>
+          </a:effectRef>
+          <a:fontRef idx="minor">
+            <a:schemeClr val="tx1"/>
+          </a:fontRef>
+        </p:style>
+      </p:cxnSp>
+      <p:cxnSp>
+        <p:nvCxnSpPr>
+          <p:cNvPr id="36" name="Elbow Connector 35"/>
+          <p:cNvCxnSpPr>
+            <a:stCxn id="11" idx="2"/>
+          </p:cNvCxnSpPr>
+          <p:nvPr/>
+        </p:nvCxnSpPr>
+        <p:spPr>
+          <a:xfrm rot="5400000">
+            <a:off x="7396183" y="3878743"/>
+            <a:ext cx="204687" cy="2911947"/>
+          </a:xfrm>
+          <a:prstGeom prst="bentConnector2">
+            <a:avLst/>
+          </a:prstGeom>
+          <a:ln>
+            <a:tailEnd type="triangle"/>
+          </a:ln>
+        </p:spPr>
+        <p:style>
+          <a:lnRef idx="2">
+            <a:schemeClr val="dk1"/>
+          </a:lnRef>
+          <a:fillRef idx="0">
+            <a:schemeClr val="dk1"/>
+          </a:fillRef>
+          <a:effectRef idx="1">
+            <a:schemeClr val="dk1"/>
+          </a:effectRef>
+          <a:fontRef idx="minor">
+            <a:schemeClr val="tx1"/>
+          </a:fontRef>
+        </p:style>
+      </p:cxnSp>
+      <p:cxnSp>
+        <p:nvCxnSpPr>
+          <p:cNvPr id="38" name="Elbow Connector 37"/>
+          <p:cNvCxnSpPr/>
+          <p:nvPr/>
+        </p:nvCxnSpPr>
+        <p:spPr>
+          <a:xfrm rot="5400000">
+            <a:off x="7537842" y="2807220"/>
+            <a:ext cx="1366772" cy="4357351"/>
+          </a:xfrm>
+          <a:prstGeom prst="bentConnector2">
+            <a:avLst/>
+          </a:prstGeom>
+          <a:ln>
+            <a:tailEnd type="triangle"/>
+          </a:ln>
+        </p:spPr>
+        <p:style>
+          <a:lnRef idx="2">
+            <a:schemeClr val="dk1"/>
+          </a:lnRef>
+          <a:fillRef idx="0">
+            <a:schemeClr val="dk1"/>
+          </a:fillRef>
+          <a:effectRef idx="1">
+            <a:schemeClr val="dk1"/>
+          </a:effectRef>
+          <a:fontRef idx="minor">
+            <a:schemeClr val="tx1"/>
+          </a:fontRef>
+        </p:style>
+      </p:cxnSp>
     </p:spTree>
     <p:extLst>
       <p:ext uri="{BB962C8B-B14F-4D97-AF65-F5344CB8AC3E}">

--- a/Sophia's Flowchart.pptx
+++ b/Sophia's Flowchart.pptx
@@ -9,6 +9,8 @@
     <p:sldId id="257" r:id="rId3"/>
     <p:sldId id="258" r:id="rId4"/>
     <p:sldId id="259" r:id="rId5"/>
+    <p:sldId id="260" r:id="rId6"/>
+    <p:sldId id="261" r:id="rId7"/>
   </p:sldIdLst>
   <p:sldSz cx="12192000" cy="6858000"/>
   <p:notesSz cx="6858000" cy="9144000"/>
@@ -246,7 +248,7 @@
           <a:p>
             <a:fld id="{325B7926-2526-40A5-B5EF-A7B8962AB6EF}" type="datetimeFigureOut">
               <a:rPr lang="en-US" smtClean="0"/>
-              <a:t>4/18/2021</a:t>
+              <a:t>4/19/2021</a:t>
             </a:fld>
             <a:endParaRPr lang="en-US"/>
           </a:p>
@@ -416,7 +418,7 @@
           <a:p>
             <a:fld id="{325B7926-2526-40A5-B5EF-A7B8962AB6EF}" type="datetimeFigureOut">
               <a:rPr lang="en-US" smtClean="0"/>
-              <a:t>4/18/2021</a:t>
+              <a:t>4/19/2021</a:t>
             </a:fld>
             <a:endParaRPr lang="en-US"/>
           </a:p>
@@ -596,7 +598,7 @@
           <a:p>
             <a:fld id="{325B7926-2526-40A5-B5EF-A7B8962AB6EF}" type="datetimeFigureOut">
               <a:rPr lang="en-US" smtClean="0"/>
-              <a:t>4/18/2021</a:t>
+              <a:t>4/19/2021</a:t>
             </a:fld>
             <a:endParaRPr lang="en-US"/>
           </a:p>
@@ -766,7 +768,7 @@
           <a:p>
             <a:fld id="{325B7926-2526-40A5-B5EF-A7B8962AB6EF}" type="datetimeFigureOut">
               <a:rPr lang="en-US" smtClean="0"/>
-              <a:t>4/18/2021</a:t>
+              <a:t>4/19/2021</a:t>
             </a:fld>
             <a:endParaRPr lang="en-US"/>
           </a:p>
@@ -1012,7 +1014,7 @@
           <a:p>
             <a:fld id="{325B7926-2526-40A5-B5EF-A7B8962AB6EF}" type="datetimeFigureOut">
               <a:rPr lang="en-US" smtClean="0"/>
-              <a:t>4/18/2021</a:t>
+              <a:t>4/19/2021</a:t>
             </a:fld>
             <a:endParaRPr lang="en-US"/>
           </a:p>
@@ -1244,7 +1246,7 @@
           <a:p>
             <a:fld id="{325B7926-2526-40A5-B5EF-A7B8962AB6EF}" type="datetimeFigureOut">
               <a:rPr lang="en-US" smtClean="0"/>
-              <a:t>4/18/2021</a:t>
+              <a:t>4/19/2021</a:t>
             </a:fld>
             <a:endParaRPr lang="en-US"/>
           </a:p>
@@ -1611,7 +1613,7 @@
           <a:p>
             <a:fld id="{325B7926-2526-40A5-B5EF-A7B8962AB6EF}" type="datetimeFigureOut">
               <a:rPr lang="en-US" smtClean="0"/>
-              <a:t>4/18/2021</a:t>
+              <a:t>4/19/2021</a:t>
             </a:fld>
             <a:endParaRPr lang="en-US"/>
           </a:p>
@@ -1729,7 +1731,7 @@
           <a:p>
             <a:fld id="{325B7926-2526-40A5-B5EF-A7B8962AB6EF}" type="datetimeFigureOut">
               <a:rPr lang="en-US" smtClean="0"/>
-              <a:t>4/18/2021</a:t>
+              <a:t>4/19/2021</a:t>
             </a:fld>
             <a:endParaRPr lang="en-US"/>
           </a:p>
@@ -1824,7 +1826,7 @@
           <a:p>
             <a:fld id="{325B7926-2526-40A5-B5EF-A7B8962AB6EF}" type="datetimeFigureOut">
               <a:rPr lang="en-US" smtClean="0"/>
-              <a:t>4/18/2021</a:t>
+              <a:t>4/19/2021</a:t>
             </a:fld>
             <a:endParaRPr lang="en-US"/>
           </a:p>
@@ -2101,7 +2103,7 @@
           <a:p>
             <a:fld id="{325B7926-2526-40A5-B5EF-A7B8962AB6EF}" type="datetimeFigureOut">
               <a:rPr lang="en-US" smtClean="0"/>
-              <a:t>4/18/2021</a:t>
+              <a:t>4/19/2021</a:t>
             </a:fld>
             <a:endParaRPr lang="en-US"/>
           </a:p>
@@ -2354,7 +2356,7 @@
           <a:p>
             <a:fld id="{325B7926-2526-40A5-B5EF-A7B8962AB6EF}" type="datetimeFigureOut">
               <a:rPr lang="en-US" smtClean="0"/>
-              <a:t>4/18/2021</a:t>
+              <a:t>4/19/2021</a:t>
             </a:fld>
             <a:endParaRPr lang="en-US"/>
           </a:p>
@@ -2567,7 +2569,7 @@
           <a:p>
             <a:fld id="{325B7926-2526-40A5-B5EF-A7B8962AB6EF}" type="datetimeFigureOut">
               <a:rPr lang="en-US" smtClean="0"/>
-              <a:t>4/18/2021</a:t>
+              <a:t>4/19/2021</a:t>
             </a:fld>
             <a:endParaRPr lang="en-US"/>
           </a:p>
@@ -3051,13 +3053,8 @@
           <a:p>
             <a:r>
               <a:rPr lang="en-US" sz="3200" dirty="0" smtClean="0"/>
-              <a:t>Flowchart </a:t>
-            </a:r>
-            <a:r>
-              <a:rPr lang="en-US" sz="3200" dirty="0" smtClean="0"/>
-              <a:t>Diagrams</a:t>
-            </a:r>
-            <a:endParaRPr lang="en-US" sz="3200" dirty="0" smtClean="0"/>
+              <a:t>Flowchart Diagrams</a:t>
+            </a:r>
           </a:p>
         </p:txBody>
       </p:sp>
@@ -3727,11 +3724,7 @@
           <a:p>
             <a:r>
               <a:rPr lang="en-US" dirty="0" smtClean="0"/>
-              <a:t>Exercise </a:t>
-            </a:r>
-            <a:r>
-              <a:rPr lang="en-US" dirty="0" smtClean="0"/>
-              <a:t>2</a:t>
+              <a:t>Exercise 2</a:t>
             </a:r>
             <a:endParaRPr lang="en-US" dirty="0"/>
           </a:p>
@@ -4273,6 +4266,66 @@
           </a:fontRef>
         </p:style>
       </p:cxnSp>
+      <p:sp>
+        <p:nvSpPr>
+          <p:cNvPr id="3" name="TextBox 2"/>
+          <p:cNvSpPr txBox="1"/>
+          <p:nvPr/>
+        </p:nvSpPr>
+        <p:spPr>
+          <a:xfrm>
+            <a:off x="7332286" y="4450043"/>
+            <a:ext cx="537093" cy="369332"/>
+          </a:xfrm>
+          <a:prstGeom prst="rect">
+            <a:avLst/>
+          </a:prstGeom>
+          <a:noFill/>
+        </p:spPr>
+        <p:txBody>
+          <a:bodyPr wrap="square" rtlCol="0">
+            <a:spAutoFit/>
+          </a:bodyPr>
+          <a:lstStyle/>
+          <a:p>
+            <a:r>
+              <a:rPr lang="en-US" dirty="0" smtClean="0"/>
+              <a:t>YES</a:t>
+            </a:r>
+            <a:endParaRPr lang="en-US" dirty="0"/>
+          </a:p>
+        </p:txBody>
+      </p:sp>
+      <p:sp>
+        <p:nvSpPr>
+          <p:cNvPr id="12" name="TextBox 11"/>
+          <p:cNvSpPr txBox="1"/>
+          <p:nvPr/>
+        </p:nvSpPr>
+        <p:spPr>
+          <a:xfrm>
+            <a:off x="5827330" y="5136993"/>
+            <a:ext cx="585662" cy="369332"/>
+          </a:xfrm>
+          <a:prstGeom prst="rect">
+            <a:avLst/>
+          </a:prstGeom>
+          <a:noFill/>
+        </p:spPr>
+        <p:txBody>
+          <a:bodyPr wrap="square" rtlCol="0">
+            <a:spAutoFit/>
+          </a:bodyPr>
+          <a:lstStyle/>
+          <a:p>
+            <a:r>
+              <a:rPr lang="en-US" dirty="0" smtClean="0"/>
+              <a:t>NO</a:t>
+            </a:r>
+            <a:endParaRPr lang="en-US" dirty="0"/>
+          </a:p>
+        </p:txBody>
+      </p:sp>
     </p:spTree>
     <p:extLst>
       <p:ext uri="{BB962C8B-B14F-4D97-AF65-F5344CB8AC3E}">
@@ -4341,15 +4394,7 @@
           <a:p>
             <a:r>
               <a:rPr lang="en-US" dirty="0" smtClean="0"/>
-              <a:t>Exercise</a:t>
-            </a:r>
-            <a:r>
-              <a:rPr lang="en-US" dirty="0" smtClean="0"/>
-              <a:t> </a:t>
-            </a:r>
-            <a:r>
-              <a:rPr lang="en-US" dirty="0" smtClean="0"/>
-              <a:t>3</a:t>
+              <a:t>Exercise 3</a:t>
             </a:r>
             <a:endParaRPr lang="en-US" dirty="0"/>
           </a:p>
@@ -4709,11 +4754,7 @@
             <a:pPr algn="ctr"/>
             <a:r>
               <a:rPr lang="en-US" sz="1100" dirty="0" smtClean="0"/>
-              <a:t>difference </a:t>
-            </a:r>
-            <a:r>
-              <a:rPr lang="en-US" sz="1100" dirty="0" smtClean="0"/>
-              <a:t>=5</a:t>
+              <a:t>difference =5</a:t>
             </a:r>
             <a:endParaRPr lang="en-US" sz="1100" dirty="0"/>
           </a:p>
@@ -5152,6 +5193,1522 @@
     <p:extLst>
       <p:ext uri="{BB962C8B-B14F-4D97-AF65-F5344CB8AC3E}">
         <p14:creationId xmlns:p14="http://schemas.microsoft.com/office/powerpoint/2010/main" val="3766285337"/>
+      </p:ext>
+    </p:extLst>
+  </p:cSld>
+  <p:clrMapOvr>
+    <a:masterClrMapping/>
+  </p:clrMapOvr>
+</p:sld>
+</file>
+
+<file path=ppt/slides/slide5.xml><?xml version="1.0" encoding="utf-8"?>
+<p:sld xmlns:a="http://schemas.openxmlformats.org/drawingml/2006/main" xmlns:r="http://schemas.openxmlformats.org/officeDocument/2006/relationships" xmlns:p="http://schemas.openxmlformats.org/presentationml/2006/main">
+  <p:cSld>
+    <p:spTree>
+      <p:nvGrpSpPr>
+        <p:cNvPr id="1" name=""/>
+        <p:cNvGrpSpPr/>
+        <p:nvPr/>
+      </p:nvGrpSpPr>
+      <p:grpSpPr>
+        <a:xfrm>
+          <a:off x="0" y="0"/>
+          <a:ext cx="0" cy="0"/>
+          <a:chOff x="0" y="0"/>
+          <a:chExt cx="0" cy="0"/>
+        </a:xfrm>
+      </p:grpSpPr>
+      <p:sp>
+        <p:nvSpPr>
+          <p:cNvPr id="2" name="Title 1"/>
+          <p:cNvSpPr>
+            <a:spLocks noGrp="1"/>
+          </p:cNvSpPr>
+          <p:nvPr>
+            <p:ph type="title"/>
+          </p:nvPr>
+        </p:nvSpPr>
+        <p:spPr>
+          <a:xfrm>
+            <a:off x="838200" y="365125"/>
+            <a:ext cx="3002280" cy="768731"/>
+          </a:xfrm>
+        </p:spPr>
+        <p:style>
+          <a:lnRef idx="1">
+            <a:schemeClr val="dk1"/>
+          </a:lnRef>
+          <a:fillRef idx="2">
+            <a:schemeClr val="dk1"/>
+          </a:fillRef>
+          <a:effectRef idx="1">
+            <a:schemeClr val="dk1"/>
+          </a:effectRef>
+          <a:fontRef idx="minor">
+            <a:schemeClr val="dk1"/>
+          </a:fontRef>
+        </p:style>
+        <p:txBody>
+          <a:bodyPr/>
+          <a:lstStyle/>
+          <a:p>
+            <a:r>
+              <a:rPr lang="en-US" dirty="0" smtClean="0"/>
+              <a:t>Exercise 4</a:t>
+            </a:r>
+            <a:endParaRPr lang="en-US" dirty="0"/>
+          </a:p>
+        </p:txBody>
+      </p:sp>
+      <p:sp>
+        <p:nvSpPr>
+          <p:cNvPr id="3" name="Flowchart: Terminator 2"/>
+          <p:cNvSpPr/>
+          <p:nvPr/>
+        </p:nvSpPr>
+        <p:spPr>
+          <a:xfrm>
+            <a:off x="4699331" y="1119418"/>
+            <a:ext cx="2987843" cy="648422"/>
+          </a:xfrm>
+          <a:prstGeom prst="flowChartTerminator">
+            <a:avLst/>
+          </a:prstGeom>
+        </p:spPr>
+        <p:style>
+          <a:lnRef idx="2">
+            <a:schemeClr val="dk1">
+              <a:shade val="50000"/>
+            </a:schemeClr>
+          </a:lnRef>
+          <a:fillRef idx="1">
+            <a:schemeClr val="dk1"/>
+          </a:fillRef>
+          <a:effectRef idx="0">
+            <a:schemeClr val="dk1"/>
+          </a:effectRef>
+          <a:fontRef idx="minor">
+            <a:schemeClr val="lt1"/>
+          </a:fontRef>
+        </p:style>
+        <p:txBody>
+          <a:bodyPr rtlCol="0" anchor="ctr"/>
+          <a:lstStyle/>
+          <a:p>
+            <a:pPr algn="ctr"/>
+            <a:r>
+              <a:rPr lang="en-US" sz="3200" dirty="0" smtClean="0"/>
+              <a:t>START</a:t>
+            </a:r>
+            <a:endParaRPr lang="en-US" sz="3200" dirty="0"/>
+          </a:p>
+        </p:txBody>
+      </p:sp>
+      <p:sp>
+        <p:nvSpPr>
+          <p:cNvPr id="4" name="Flowchart: Data 3"/>
+          <p:cNvSpPr/>
+          <p:nvPr/>
+        </p:nvSpPr>
+        <p:spPr>
+          <a:xfrm>
+            <a:off x="4418593" y="2012707"/>
+            <a:ext cx="3268579" cy="463793"/>
+          </a:xfrm>
+          <a:prstGeom prst="flowChartInputOutput">
+            <a:avLst/>
+          </a:prstGeom>
+        </p:spPr>
+        <p:style>
+          <a:lnRef idx="2">
+            <a:schemeClr val="dk1">
+              <a:shade val="50000"/>
+            </a:schemeClr>
+          </a:lnRef>
+          <a:fillRef idx="1">
+            <a:schemeClr val="dk1"/>
+          </a:fillRef>
+          <a:effectRef idx="0">
+            <a:schemeClr val="dk1"/>
+          </a:effectRef>
+          <a:fontRef idx="minor">
+            <a:schemeClr val="lt1"/>
+          </a:fontRef>
+        </p:style>
+        <p:txBody>
+          <a:bodyPr rtlCol="0" anchor="ctr"/>
+          <a:lstStyle/>
+          <a:p>
+            <a:pPr algn="ctr"/>
+            <a:r>
+              <a:rPr lang="en-US" dirty="0" smtClean="0"/>
+              <a:t>a = “First </a:t>
+            </a:r>
+            <a:r>
+              <a:rPr lang="en-US" dirty="0" smtClean="0"/>
+              <a:t>value is”</a:t>
+            </a:r>
+            <a:endParaRPr lang="en-US" dirty="0"/>
+          </a:p>
+        </p:txBody>
+      </p:sp>
+      <p:sp>
+        <p:nvSpPr>
+          <p:cNvPr id="6" name="Flowchart: Data 5"/>
+          <p:cNvSpPr/>
+          <p:nvPr/>
+        </p:nvSpPr>
+        <p:spPr>
+          <a:xfrm>
+            <a:off x="4418594" y="2739833"/>
+            <a:ext cx="3268579" cy="463793"/>
+          </a:xfrm>
+          <a:prstGeom prst="flowChartInputOutput">
+            <a:avLst/>
+          </a:prstGeom>
+        </p:spPr>
+        <p:style>
+          <a:lnRef idx="2">
+            <a:schemeClr val="dk1">
+              <a:shade val="50000"/>
+            </a:schemeClr>
+          </a:lnRef>
+          <a:fillRef idx="1">
+            <a:schemeClr val="dk1"/>
+          </a:fillRef>
+          <a:effectRef idx="0">
+            <a:schemeClr val="dk1"/>
+          </a:effectRef>
+          <a:fontRef idx="minor">
+            <a:schemeClr val="lt1"/>
+          </a:fontRef>
+        </p:style>
+        <p:txBody>
+          <a:bodyPr rtlCol="0" anchor="ctr"/>
+          <a:lstStyle/>
+          <a:p>
+            <a:pPr algn="ctr"/>
+            <a:r>
+              <a:rPr lang="en-US" dirty="0" smtClean="0"/>
+              <a:t>b = “Second </a:t>
+            </a:r>
+            <a:r>
+              <a:rPr lang="en-US" dirty="0" smtClean="0"/>
+              <a:t>value is”</a:t>
+            </a:r>
+            <a:endParaRPr lang="en-US" dirty="0"/>
+          </a:p>
+        </p:txBody>
+      </p:sp>
+      <p:sp>
+        <p:nvSpPr>
+          <p:cNvPr id="7" name="Flowchart: Data 6"/>
+          <p:cNvSpPr/>
+          <p:nvPr/>
+        </p:nvSpPr>
+        <p:spPr>
+          <a:xfrm>
+            <a:off x="4418593" y="3466959"/>
+            <a:ext cx="3268579" cy="463793"/>
+          </a:xfrm>
+          <a:prstGeom prst="flowChartInputOutput">
+            <a:avLst/>
+          </a:prstGeom>
+        </p:spPr>
+        <p:style>
+          <a:lnRef idx="2">
+            <a:schemeClr val="dk1">
+              <a:shade val="50000"/>
+            </a:schemeClr>
+          </a:lnRef>
+          <a:fillRef idx="1">
+            <a:schemeClr val="dk1"/>
+          </a:fillRef>
+          <a:effectRef idx="0">
+            <a:schemeClr val="dk1"/>
+          </a:effectRef>
+          <a:fontRef idx="minor">
+            <a:schemeClr val="lt1"/>
+          </a:fontRef>
+        </p:style>
+        <p:txBody>
+          <a:bodyPr rtlCol="0" anchor="ctr"/>
+          <a:lstStyle/>
+          <a:p>
+            <a:pPr algn="ctr"/>
+            <a:r>
+              <a:rPr lang="en-US" dirty="0" smtClean="0"/>
+              <a:t>c </a:t>
+            </a:r>
+            <a:r>
+              <a:rPr lang="en-US" dirty="0" smtClean="0"/>
+              <a:t>= </a:t>
+            </a:r>
+            <a:r>
+              <a:rPr lang="en-US" dirty="0" smtClean="0"/>
+              <a:t>“Third  </a:t>
+            </a:r>
+            <a:r>
+              <a:rPr lang="en-US" dirty="0" smtClean="0"/>
+              <a:t>value is”</a:t>
+            </a:r>
+            <a:endParaRPr lang="en-US" dirty="0"/>
+          </a:p>
+        </p:txBody>
+      </p:sp>
+      <p:sp>
+        <p:nvSpPr>
+          <p:cNvPr id="8" name="Flowchart: Process 7"/>
+          <p:cNvSpPr/>
+          <p:nvPr/>
+        </p:nvSpPr>
+        <p:spPr>
+          <a:xfrm>
+            <a:off x="4602074" y="4194085"/>
+            <a:ext cx="2901616" cy="474168"/>
+          </a:xfrm>
+          <a:prstGeom prst="flowChartProcess">
+            <a:avLst/>
+          </a:prstGeom>
+        </p:spPr>
+        <p:style>
+          <a:lnRef idx="2">
+            <a:schemeClr val="dk1">
+              <a:shade val="50000"/>
+            </a:schemeClr>
+          </a:lnRef>
+          <a:fillRef idx="1">
+            <a:schemeClr val="dk1"/>
+          </a:fillRef>
+          <a:effectRef idx="0">
+            <a:schemeClr val="dk1"/>
+          </a:effectRef>
+          <a:fontRef idx="minor">
+            <a:schemeClr val="lt1"/>
+          </a:fontRef>
+        </p:style>
+        <p:txBody>
+          <a:bodyPr rtlCol="0" anchor="ctr"/>
+          <a:lstStyle/>
+          <a:p>
+            <a:pPr algn="ctr"/>
+            <a:r>
+              <a:rPr lang="en-US" dirty="0" smtClean="0"/>
+              <a:t>X = min(</a:t>
+            </a:r>
+            <a:r>
+              <a:rPr lang="en-US" dirty="0" err="1" smtClean="0"/>
+              <a:t>a,b,c</a:t>
+            </a:r>
+            <a:r>
+              <a:rPr lang="en-US" dirty="0" smtClean="0"/>
+              <a:t>)</a:t>
+            </a:r>
+            <a:endParaRPr lang="en-US" dirty="0"/>
+          </a:p>
+        </p:txBody>
+      </p:sp>
+      <p:sp>
+        <p:nvSpPr>
+          <p:cNvPr id="10" name="Flowchart: Process 9"/>
+          <p:cNvSpPr/>
+          <p:nvPr/>
+        </p:nvSpPr>
+        <p:spPr>
+          <a:xfrm>
+            <a:off x="4602074" y="4931586"/>
+            <a:ext cx="2901616" cy="474168"/>
+          </a:xfrm>
+          <a:prstGeom prst="flowChartProcess">
+            <a:avLst/>
+          </a:prstGeom>
+        </p:spPr>
+        <p:style>
+          <a:lnRef idx="2">
+            <a:schemeClr val="dk1">
+              <a:shade val="50000"/>
+            </a:schemeClr>
+          </a:lnRef>
+          <a:fillRef idx="1">
+            <a:schemeClr val="dk1"/>
+          </a:fillRef>
+          <a:effectRef idx="0">
+            <a:schemeClr val="dk1"/>
+          </a:effectRef>
+          <a:fontRef idx="minor">
+            <a:schemeClr val="lt1"/>
+          </a:fontRef>
+        </p:style>
+        <p:txBody>
+          <a:bodyPr rtlCol="0" anchor="ctr"/>
+          <a:lstStyle/>
+          <a:p>
+            <a:pPr algn="ctr"/>
+            <a:r>
+              <a:rPr lang="en-US" dirty="0" smtClean="0"/>
+              <a:t>Min(</a:t>
+            </a:r>
+            <a:r>
+              <a:rPr lang="en-US" dirty="0" err="1" smtClean="0"/>
+              <a:t>a,b,c</a:t>
+            </a:r>
+            <a:r>
+              <a:rPr lang="en-US" dirty="0" smtClean="0"/>
+              <a:t>)</a:t>
+            </a:r>
+            <a:endParaRPr lang="en-US" dirty="0"/>
+          </a:p>
+        </p:txBody>
+      </p:sp>
+      <p:sp>
+        <p:nvSpPr>
+          <p:cNvPr id="11" name="Flowchart: Process 10"/>
+          <p:cNvSpPr/>
+          <p:nvPr/>
+        </p:nvSpPr>
+        <p:spPr>
+          <a:xfrm>
+            <a:off x="4602074" y="5669087"/>
+            <a:ext cx="2901616" cy="474168"/>
+          </a:xfrm>
+          <a:prstGeom prst="flowChartProcess">
+            <a:avLst/>
+          </a:prstGeom>
+        </p:spPr>
+        <p:style>
+          <a:lnRef idx="2">
+            <a:schemeClr val="dk1">
+              <a:shade val="50000"/>
+            </a:schemeClr>
+          </a:lnRef>
+          <a:fillRef idx="1">
+            <a:schemeClr val="dk1"/>
+          </a:fillRef>
+          <a:effectRef idx="0">
+            <a:schemeClr val="dk1"/>
+          </a:effectRef>
+          <a:fontRef idx="minor">
+            <a:schemeClr val="lt1"/>
+          </a:fontRef>
+        </p:style>
+        <p:txBody>
+          <a:bodyPr rtlCol="0" anchor="ctr"/>
+          <a:lstStyle/>
+          <a:p>
+            <a:pPr algn="ctr"/>
+            <a:r>
+              <a:rPr lang="en-US" dirty="0" smtClean="0"/>
+              <a:t>Z = ((</a:t>
+            </a:r>
+            <a:r>
+              <a:rPr lang="en-US" dirty="0" err="1" smtClean="0"/>
+              <a:t>a+b+c</a:t>
+            </a:r>
+            <a:r>
+              <a:rPr lang="en-US" dirty="0" smtClean="0"/>
+              <a:t>)-x-y)</a:t>
+            </a:r>
+            <a:endParaRPr lang="en-US" dirty="0"/>
+          </a:p>
+        </p:txBody>
+      </p:sp>
+      <p:sp>
+        <p:nvSpPr>
+          <p:cNvPr id="12" name="Flowchart: Data 11"/>
+          <p:cNvSpPr/>
+          <p:nvPr/>
+        </p:nvSpPr>
+        <p:spPr>
+          <a:xfrm>
+            <a:off x="4418592" y="6406588"/>
+            <a:ext cx="3268579" cy="404680"/>
+          </a:xfrm>
+          <a:prstGeom prst="flowChartInputOutput">
+            <a:avLst/>
+          </a:prstGeom>
+        </p:spPr>
+        <p:style>
+          <a:lnRef idx="2">
+            <a:schemeClr val="dk1">
+              <a:shade val="50000"/>
+            </a:schemeClr>
+          </a:lnRef>
+          <a:fillRef idx="1">
+            <a:schemeClr val="dk1"/>
+          </a:fillRef>
+          <a:effectRef idx="0">
+            <a:schemeClr val="dk1"/>
+          </a:effectRef>
+          <a:fontRef idx="minor">
+            <a:schemeClr val="lt1"/>
+          </a:fontRef>
+        </p:style>
+        <p:txBody>
+          <a:bodyPr rtlCol="0" anchor="ctr"/>
+          <a:lstStyle/>
+          <a:p>
+            <a:pPr algn="ctr"/>
+            <a:r>
+              <a:rPr lang="en-US" dirty="0" smtClean="0"/>
+              <a:t>PRINT </a:t>
+            </a:r>
+            <a:r>
+              <a:rPr lang="en-US" dirty="0" smtClean="0"/>
+              <a:t>the values in order</a:t>
+            </a:r>
+            <a:endParaRPr lang="en-US" dirty="0"/>
+          </a:p>
+        </p:txBody>
+      </p:sp>
+      <p:cxnSp>
+        <p:nvCxnSpPr>
+          <p:cNvPr id="16" name="Straight Arrow Connector 15"/>
+          <p:cNvCxnSpPr>
+            <a:stCxn id="3" idx="2"/>
+          </p:cNvCxnSpPr>
+          <p:nvPr/>
+        </p:nvCxnSpPr>
+        <p:spPr>
+          <a:xfrm>
+            <a:off x="6193253" y="1767840"/>
+            <a:ext cx="7522" cy="244867"/>
+          </a:xfrm>
+          <a:prstGeom prst="straightConnector1">
+            <a:avLst/>
+          </a:prstGeom>
+          <a:ln>
+            <a:tailEnd type="triangle"/>
+          </a:ln>
+        </p:spPr>
+        <p:style>
+          <a:lnRef idx="2">
+            <a:schemeClr val="dk1"/>
+          </a:lnRef>
+          <a:fillRef idx="0">
+            <a:schemeClr val="dk1"/>
+          </a:fillRef>
+          <a:effectRef idx="1">
+            <a:schemeClr val="dk1"/>
+          </a:effectRef>
+          <a:fontRef idx="minor">
+            <a:schemeClr val="tx1"/>
+          </a:fontRef>
+        </p:style>
+      </p:cxnSp>
+      <p:cxnSp>
+        <p:nvCxnSpPr>
+          <p:cNvPr id="18" name="Straight Arrow Connector 17"/>
+          <p:cNvCxnSpPr>
+            <a:stCxn id="4" idx="4"/>
+            <a:endCxn id="6" idx="1"/>
+          </p:cNvCxnSpPr>
+          <p:nvPr/>
+        </p:nvCxnSpPr>
+        <p:spPr>
+          <a:xfrm>
+            <a:off x="6052883" y="2476500"/>
+            <a:ext cx="1" cy="263333"/>
+          </a:xfrm>
+          <a:prstGeom prst="straightConnector1">
+            <a:avLst/>
+          </a:prstGeom>
+          <a:ln>
+            <a:tailEnd type="triangle"/>
+          </a:ln>
+        </p:spPr>
+        <p:style>
+          <a:lnRef idx="2">
+            <a:schemeClr val="dk1"/>
+          </a:lnRef>
+          <a:fillRef idx="0">
+            <a:schemeClr val="dk1"/>
+          </a:fillRef>
+          <a:effectRef idx="1">
+            <a:schemeClr val="dk1"/>
+          </a:effectRef>
+          <a:fontRef idx="minor">
+            <a:schemeClr val="tx1"/>
+          </a:fontRef>
+        </p:style>
+      </p:cxnSp>
+      <p:cxnSp>
+        <p:nvCxnSpPr>
+          <p:cNvPr id="20" name="Straight Arrow Connector 19"/>
+          <p:cNvCxnSpPr>
+            <a:stCxn id="6" idx="4"/>
+            <a:endCxn id="7" idx="1"/>
+          </p:cNvCxnSpPr>
+          <p:nvPr/>
+        </p:nvCxnSpPr>
+        <p:spPr>
+          <a:xfrm flipH="1">
+            <a:off x="6052883" y="3203626"/>
+            <a:ext cx="1" cy="263333"/>
+          </a:xfrm>
+          <a:prstGeom prst="straightConnector1">
+            <a:avLst/>
+          </a:prstGeom>
+          <a:ln>
+            <a:tailEnd type="triangle"/>
+          </a:ln>
+        </p:spPr>
+        <p:style>
+          <a:lnRef idx="2">
+            <a:schemeClr val="dk1"/>
+          </a:lnRef>
+          <a:fillRef idx="0">
+            <a:schemeClr val="dk1"/>
+          </a:fillRef>
+          <a:effectRef idx="1">
+            <a:schemeClr val="dk1"/>
+          </a:effectRef>
+          <a:fontRef idx="minor">
+            <a:schemeClr val="tx1"/>
+          </a:fontRef>
+        </p:style>
+      </p:cxnSp>
+      <p:cxnSp>
+        <p:nvCxnSpPr>
+          <p:cNvPr id="22" name="Straight Arrow Connector 21"/>
+          <p:cNvCxnSpPr>
+            <a:stCxn id="7" idx="4"/>
+            <a:endCxn id="8" idx="0"/>
+          </p:cNvCxnSpPr>
+          <p:nvPr/>
+        </p:nvCxnSpPr>
+        <p:spPr>
+          <a:xfrm flipH="1">
+            <a:off x="6052882" y="3930752"/>
+            <a:ext cx="1" cy="263333"/>
+          </a:xfrm>
+          <a:prstGeom prst="straightConnector1">
+            <a:avLst/>
+          </a:prstGeom>
+          <a:ln>
+            <a:tailEnd type="triangle"/>
+          </a:ln>
+        </p:spPr>
+        <p:style>
+          <a:lnRef idx="3">
+            <a:schemeClr val="dk1"/>
+          </a:lnRef>
+          <a:fillRef idx="0">
+            <a:schemeClr val="dk1"/>
+          </a:fillRef>
+          <a:effectRef idx="2">
+            <a:schemeClr val="dk1"/>
+          </a:effectRef>
+          <a:fontRef idx="minor">
+            <a:schemeClr val="tx1"/>
+          </a:fontRef>
+        </p:style>
+      </p:cxnSp>
+      <p:cxnSp>
+        <p:nvCxnSpPr>
+          <p:cNvPr id="25" name="Straight Arrow Connector 24"/>
+          <p:cNvCxnSpPr>
+            <a:stCxn id="8" idx="2"/>
+            <a:endCxn id="10" idx="0"/>
+          </p:cNvCxnSpPr>
+          <p:nvPr/>
+        </p:nvCxnSpPr>
+        <p:spPr>
+          <a:xfrm>
+            <a:off x="6052882" y="4668253"/>
+            <a:ext cx="0" cy="263333"/>
+          </a:xfrm>
+          <a:prstGeom prst="straightConnector1">
+            <a:avLst/>
+          </a:prstGeom>
+          <a:ln>
+            <a:tailEnd type="triangle"/>
+          </a:ln>
+        </p:spPr>
+        <p:style>
+          <a:lnRef idx="3">
+            <a:schemeClr val="dk1"/>
+          </a:lnRef>
+          <a:fillRef idx="0">
+            <a:schemeClr val="dk1"/>
+          </a:fillRef>
+          <a:effectRef idx="2">
+            <a:schemeClr val="dk1"/>
+          </a:effectRef>
+          <a:fontRef idx="minor">
+            <a:schemeClr val="tx1"/>
+          </a:fontRef>
+        </p:style>
+      </p:cxnSp>
+      <p:cxnSp>
+        <p:nvCxnSpPr>
+          <p:cNvPr id="26" name="Straight Arrow Connector 25"/>
+          <p:cNvCxnSpPr/>
+          <p:nvPr/>
+        </p:nvCxnSpPr>
+        <p:spPr>
+          <a:xfrm>
+            <a:off x="6028813" y="5405754"/>
+            <a:ext cx="0" cy="263333"/>
+          </a:xfrm>
+          <a:prstGeom prst="straightConnector1">
+            <a:avLst/>
+          </a:prstGeom>
+          <a:ln>
+            <a:tailEnd type="triangle"/>
+          </a:ln>
+        </p:spPr>
+        <p:style>
+          <a:lnRef idx="3">
+            <a:schemeClr val="dk1"/>
+          </a:lnRef>
+          <a:fillRef idx="0">
+            <a:schemeClr val="dk1"/>
+          </a:fillRef>
+          <a:effectRef idx="2">
+            <a:schemeClr val="dk1"/>
+          </a:effectRef>
+          <a:fontRef idx="minor">
+            <a:schemeClr val="tx1"/>
+          </a:fontRef>
+        </p:style>
+      </p:cxnSp>
+      <p:cxnSp>
+        <p:nvCxnSpPr>
+          <p:cNvPr id="27" name="Straight Arrow Connector 26"/>
+          <p:cNvCxnSpPr/>
+          <p:nvPr/>
+        </p:nvCxnSpPr>
+        <p:spPr>
+          <a:xfrm>
+            <a:off x="5995220" y="6143255"/>
+            <a:ext cx="0" cy="263333"/>
+          </a:xfrm>
+          <a:prstGeom prst="straightConnector1">
+            <a:avLst/>
+          </a:prstGeom>
+          <a:ln>
+            <a:tailEnd type="triangle"/>
+          </a:ln>
+        </p:spPr>
+        <p:style>
+          <a:lnRef idx="3">
+            <a:schemeClr val="dk1"/>
+          </a:lnRef>
+          <a:fillRef idx="0">
+            <a:schemeClr val="dk1"/>
+          </a:fillRef>
+          <a:effectRef idx="2">
+            <a:schemeClr val="dk1"/>
+          </a:effectRef>
+          <a:fontRef idx="minor">
+            <a:schemeClr val="tx1"/>
+          </a:fontRef>
+        </p:style>
+      </p:cxnSp>
+    </p:spTree>
+    <p:extLst>
+      <p:ext uri="{BB962C8B-B14F-4D97-AF65-F5344CB8AC3E}">
+        <p14:creationId xmlns:p14="http://schemas.microsoft.com/office/powerpoint/2010/main" val="1746541540"/>
+      </p:ext>
+    </p:extLst>
+  </p:cSld>
+  <p:clrMapOvr>
+    <a:masterClrMapping/>
+  </p:clrMapOvr>
+</p:sld>
+</file>
+
+<file path=ppt/slides/slide6.xml><?xml version="1.0" encoding="utf-8"?>
+<p:sld xmlns:a="http://schemas.openxmlformats.org/drawingml/2006/main" xmlns:r="http://schemas.openxmlformats.org/officeDocument/2006/relationships" xmlns:p="http://schemas.openxmlformats.org/presentationml/2006/main">
+  <p:cSld>
+    <p:spTree>
+      <p:nvGrpSpPr>
+        <p:cNvPr id="1" name=""/>
+        <p:cNvGrpSpPr/>
+        <p:nvPr/>
+      </p:nvGrpSpPr>
+      <p:grpSpPr>
+        <a:xfrm>
+          <a:off x="0" y="0"/>
+          <a:ext cx="0" cy="0"/>
+          <a:chOff x="0" y="0"/>
+          <a:chExt cx="0" cy="0"/>
+        </a:xfrm>
+      </p:grpSpPr>
+      <p:sp>
+        <p:nvSpPr>
+          <p:cNvPr id="3" name="Title 1"/>
+          <p:cNvSpPr>
+            <a:spLocks noGrp="1"/>
+          </p:cNvSpPr>
+          <p:nvPr>
+            <p:ph type="title"/>
+          </p:nvPr>
+        </p:nvSpPr>
+        <p:spPr>
+          <a:xfrm>
+            <a:off x="838200" y="365125"/>
+            <a:ext cx="3002280" cy="768731"/>
+          </a:xfrm>
+        </p:spPr>
+        <p:style>
+          <a:lnRef idx="1">
+            <a:schemeClr val="dk1"/>
+          </a:lnRef>
+          <a:fillRef idx="2">
+            <a:schemeClr val="dk1"/>
+          </a:fillRef>
+          <a:effectRef idx="1">
+            <a:schemeClr val="dk1"/>
+          </a:effectRef>
+          <a:fontRef idx="minor">
+            <a:schemeClr val="dk1"/>
+          </a:fontRef>
+        </p:style>
+        <p:txBody>
+          <a:bodyPr/>
+          <a:lstStyle/>
+          <a:p>
+            <a:r>
+              <a:rPr lang="en-US" dirty="0" smtClean="0"/>
+              <a:t>Exercise 5</a:t>
+            </a:r>
+            <a:endParaRPr lang="en-US" dirty="0"/>
+          </a:p>
+        </p:txBody>
+      </p:sp>
+      <p:sp>
+        <p:nvSpPr>
+          <p:cNvPr id="4" name="Flowchart: Terminator 3"/>
+          <p:cNvSpPr/>
+          <p:nvPr/>
+        </p:nvSpPr>
+        <p:spPr>
+          <a:xfrm>
+            <a:off x="4699331" y="1119418"/>
+            <a:ext cx="2987843" cy="648422"/>
+          </a:xfrm>
+          <a:prstGeom prst="flowChartTerminator">
+            <a:avLst/>
+          </a:prstGeom>
+        </p:spPr>
+        <p:style>
+          <a:lnRef idx="2">
+            <a:schemeClr val="dk1">
+              <a:shade val="50000"/>
+            </a:schemeClr>
+          </a:lnRef>
+          <a:fillRef idx="1">
+            <a:schemeClr val="dk1"/>
+          </a:fillRef>
+          <a:effectRef idx="0">
+            <a:schemeClr val="dk1"/>
+          </a:effectRef>
+          <a:fontRef idx="minor">
+            <a:schemeClr val="lt1"/>
+          </a:fontRef>
+        </p:style>
+        <p:txBody>
+          <a:bodyPr rtlCol="0" anchor="ctr"/>
+          <a:lstStyle/>
+          <a:p>
+            <a:pPr algn="ctr"/>
+            <a:r>
+              <a:rPr lang="en-US" sz="3200" dirty="0" smtClean="0"/>
+              <a:t>START</a:t>
+            </a:r>
+            <a:endParaRPr lang="en-US" sz="3200" dirty="0"/>
+          </a:p>
+        </p:txBody>
+      </p:sp>
+      <p:sp>
+        <p:nvSpPr>
+          <p:cNvPr id="5" name="Flowchart: Data 4"/>
+          <p:cNvSpPr/>
+          <p:nvPr/>
+        </p:nvSpPr>
+        <p:spPr>
+          <a:xfrm>
+            <a:off x="4418593" y="2012707"/>
+            <a:ext cx="3268579" cy="463793"/>
+          </a:xfrm>
+          <a:prstGeom prst="flowChartInputOutput">
+            <a:avLst/>
+          </a:prstGeom>
+        </p:spPr>
+        <p:style>
+          <a:lnRef idx="2">
+            <a:schemeClr val="dk1">
+              <a:shade val="50000"/>
+            </a:schemeClr>
+          </a:lnRef>
+          <a:fillRef idx="1">
+            <a:schemeClr val="dk1"/>
+          </a:fillRef>
+          <a:effectRef idx="0">
+            <a:schemeClr val="dk1"/>
+          </a:effectRef>
+          <a:fontRef idx="minor">
+            <a:schemeClr val="lt1"/>
+          </a:fontRef>
+        </p:style>
+        <p:txBody>
+          <a:bodyPr rtlCol="0" anchor="ctr"/>
+          <a:lstStyle/>
+          <a:p>
+            <a:pPr algn="ctr"/>
+            <a:r>
+              <a:rPr lang="en-US" dirty="0" smtClean="0"/>
+              <a:t>a = </a:t>
+            </a:r>
+            <a:r>
+              <a:rPr lang="en-US" dirty="0" smtClean="0"/>
+              <a:t>“Positive </a:t>
+            </a:r>
+            <a:r>
+              <a:rPr lang="en-US" dirty="0" smtClean="0"/>
+              <a:t>value”</a:t>
+            </a:r>
+            <a:endParaRPr lang="en-US" dirty="0"/>
+          </a:p>
+        </p:txBody>
+      </p:sp>
+      <p:sp>
+        <p:nvSpPr>
+          <p:cNvPr id="6" name="Flowchart: Data 5"/>
+          <p:cNvSpPr/>
+          <p:nvPr/>
+        </p:nvSpPr>
+        <p:spPr>
+          <a:xfrm>
+            <a:off x="4596600" y="2727629"/>
+            <a:ext cx="2900356" cy="524413"/>
+          </a:xfrm>
+          <a:custGeom>
+            <a:avLst/>
+            <a:gdLst>
+              <a:gd name="connsiteX0" fmla="*/ 0 w 10000"/>
+              <a:gd name="connsiteY0" fmla="*/ 10000 h 10000"/>
+              <a:gd name="connsiteX1" fmla="*/ 2000 w 10000"/>
+              <a:gd name="connsiteY1" fmla="*/ 0 h 10000"/>
+              <a:gd name="connsiteX2" fmla="*/ 10000 w 10000"/>
+              <a:gd name="connsiteY2" fmla="*/ 0 h 10000"/>
+              <a:gd name="connsiteX3" fmla="*/ 8000 w 10000"/>
+              <a:gd name="connsiteY3" fmla="*/ 10000 h 10000"/>
+              <a:gd name="connsiteX4" fmla="*/ 0 w 10000"/>
+              <a:gd name="connsiteY4" fmla="*/ 10000 h 10000"/>
+              <a:gd name="connsiteX0" fmla="*/ 0 w 10000"/>
+              <a:gd name="connsiteY0" fmla="*/ 10000 h 10519"/>
+              <a:gd name="connsiteX1" fmla="*/ 2000 w 10000"/>
+              <a:gd name="connsiteY1" fmla="*/ 0 h 10519"/>
+              <a:gd name="connsiteX2" fmla="*/ 10000 w 10000"/>
+              <a:gd name="connsiteY2" fmla="*/ 0 h 10519"/>
+              <a:gd name="connsiteX3" fmla="*/ 9767 w 10000"/>
+              <a:gd name="connsiteY3" fmla="*/ 10519 h 10519"/>
+              <a:gd name="connsiteX4" fmla="*/ 0 w 10000"/>
+              <a:gd name="connsiteY4" fmla="*/ 10000 h 10519"/>
+              <a:gd name="connsiteX0" fmla="*/ 0 w 10000"/>
+              <a:gd name="connsiteY0" fmla="*/ 10000 h 10519"/>
+              <a:gd name="connsiteX1" fmla="*/ 233 w 10000"/>
+              <a:gd name="connsiteY1" fmla="*/ 0 h 10519"/>
+              <a:gd name="connsiteX2" fmla="*/ 10000 w 10000"/>
+              <a:gd name="connsiteY2" fmla="*/ 0 h 10519"/>
+              <a:gd name="connsiteX3" fmla="*/ 9767 w 10000"/>
+              <a:gd name="connsiteY3" fmla="*/ 10519 h 10519"/>
+              <a:gd name="connsiteX4" fmla="*/ 0 w 10000"/>
+              <a:gd name="connsiteY4" fmla="*/ 10000 h 10519"/>
+              <a:gd name="connsiteX0" fmla="*/ 336 w 9776"/>
+              <a:gd name="connsiteY0" fmla="*/ 10526 h 10526"/>
+              <a:gd name="connsiteX1" fmla="*/ 9 w 9776"/>
+              <a:gd name="connsiteY1" fmla="*/ 0 h 10526"/>
+              <a:gd name="connsiteX2" fmla="*/ 9776 w 9776"/>
+              <a:gd name="connsiteY2" fmla="*/ 0 h 10526"/>
+              <a:gd name="connsiteX3" fmla="*/ 9543 w 9776"/>
+              <a:gd name="connsiteY3" fmla="*/ 10519 h 10526"/>
+              <a:gd name="connsiteX4" fmla="*/ 336 w 9776"/>
+              <a:gd name="connsiteY4" fmla="*/ 10526 h 10526"/>
+              <a:gd name="connsiteX0" fmla="*/ 17 w 9673"/>
+              <a:gd name="connsiteY0" fmla="*/ 10250 h 10250"/>
+              <a:gd name="connsiteX1" fmla="*/ 25 w 9673"/>
+              <a:gd name="connsiteY1" fmla="*/ 0 h 10250"/>
+              <a:gd name="connsiteX2" fmla="*/ 9673 w 9673"/>
+              <a:gd name="connsiteY2" fmla="*/ 250 h 10250"/>
+              <a:gd name="connsiteX3" fmla="*/ 9435 w 9673"/>
+              <a:gd name="connsiteY3" fmla="*/ 10243 h 10250"/>
+              <a:gd name="connsiteX4" fmla="*/ 17 w 9673"/>
+              <a:gd name="connsiteY4" fmla="*/ 10250 h 10250"/>
+              <a:gd name="connsiteX0" fmla="*/ 18 w 9762"/>
+              <a:gd name="connsiteY0" fmla="*/ 10000 h 10000"/>
+              <a:gd name="connsiteX1" fmla="*/ 26 w 9762"/>
+              <a:gd name="connsiteY1" fmla="*/ 0 h 10000"/>
+              <a:gd name="connsiteX2" fmla="*/ 9369 w 9762"/>
+              <a:gd name="connsiteY2" fmla="*/ 0 h 10000"/>
+              <a:gd name="connsiteX3" fmla="*/ 9754 w 9762"/>
+              <a:gd name="connsiteY3" fmla="*/ 9993 h 10000"/>
+              <a:gd name="connsiteX4" fmla="*/ 18 w 9762"/>
+              <a:gd name="connsiteY4" fmla="*/ 10000 h 10000"/>
+              <a:gd name="connsiteX0" fmla="*/ 17 w 9686"/>
+              <a:gd name="connsiteY0" fmla="*/ 10000 h 10000"/>
+              <a:gd name="connsiteX1" fmla="*/ 26 w 9686"/>
+              <a:gd name="connsiteY1" fmla="*/ 0 h 10000"/>
+              <a:gd name="connsiteX2" fmla="*/ 9596 w 9686"/>
+              <a:gd name="connsiteY2" fmla="*/ 0 h 10000"/>
+              <a:gd name="connsiteX3" fmla="*/ 9668 w 9686"/>
+              <a:gd name="connsiteY3" fmla="*/ 9993 h 10000"/>
+              <a:gd name="connsiteX4" fmla="*/ 17 w 9686"/>
+              <a:gd name="connsiteY4" fmla="*/ 10000 h 10000"/>
+              <a:gd name="connsiteX0" fmla="*/ 18 w 9924"/>
+              <a:gd name="connsiteY0" fmla="*/ 10000 h 10480"/>
+              <a:gd name="connsiteX1" fmla="*/ 27 w 9924"/>
+              <a:gd name="connsiteY1" fmla="*/ 0 h 10480"/>
+              <a:gd name="connsiteX2" fmla="*/ 9907 w 9924"/>
+              <a:gd name="connsiteY2" fmla="*/ 0 h 10480"/>
+              <a:gd name="connsiteX3" fmla="*/ 9898 w 9924"/>
+              <a:gd name="connsiteY3" fmla="*/ 10480 h 10480"/>
+              <a:gd name="connsiteX4" fmla="*/ 18 w 9924"/>
+              <a:gd name="connsiteY4" fmla="*/ 10000 h 10480"/>
+            </a:gdLst>
+            <a:ahLst/>
+            <a:cxnLst>
+              <a:cxn ang="0">
+                <a:pos x="connsiteX0" y="connsiteY0"/>
+              </a:cxn>
+              <a:cxn ang="0">
+                <a:pos x="connsiteX1" y="connsiteY1"/>
+              </a:cxn>
+              <a:cxn ang="0">
+                <a:pos x="connsiteX2" y="connsiteY2"/>
+              </a:cxn>
+              <a:cxn ang="0">
+                <a:pos x="connsiteX3" y="connsiteY3"/>
+              </a:cxn>
+              <a:cxn ang="0">
+                <a:pos x="connsiteX4" y="connsiteY4"/>
+              </a:cxn>
+            </a:cxnLst>
+            <a:rect l="l" t="t" r="r" b="b"/>
+            <a:pathLst>
+              <a:path w="9924" h="10480">
+                <a:moveTo>
+                  <a:pt x="18" y="10000"/>
+                </a:moveTo>
+                <a:cubicBezTo>
+                  <a:pt x="103" y="6911"/>
+                  <a:pt x="-61" y="3089"/>
+                  <a:pt x="27" y="0"/>
+                </a:cubicBezTo>
+                <a:lnTo>
+                  <a:pt x="9907" y="0"/>
+                </a:lnTo>
+                <a:cubicBezTo>
+                  <a:pt x="9819" y="3250"/>
+                  <a:pt x="9985" y="7231"/>
+                  <a:pt x="9898" y="10480"/>
+                </a:cubicBezTo>
+                <a:lnTo>
+                  <a:pt x="18" y="10000"/>
+                </a:lnTo>
+                <a:close/>
+              </a:path>
+            </a:pathLst>
+          </a:custGeom>
+        </p:spPr>
+        <p:style>
+          <a:lnRef idx="2">
+            <a:schemeClr val="dk1">
+              <a:shade val="50000"/>
+            </a:schemeClr>
+          </a:lnRef>
+          <a:fillRef idx="1">
+            <a:schemeClr val="dk1"/>
+          </a:fillRef>
+          <a:effectRef idx="0">
+            <a:schemeClr val="dk1"/>
+          </a:effectRef>
+          <a:fontRef idx="minor">
+            <a:schemeClr val="lt1"/>
+          </a:fontRef>
+        </p:style>
+        <p:txBody>
+          <a:bodyPr rtlCol="0" anchor="ctr"/>
+          <a:lstStyle/>
+          <a:p>
+            <a:pPr algn="ctr"/>
+            <a:r>
+              <a:rPr lang="en-US" dirty="0" smtClean="0"/>
+              <a:t>b=“range of values from 1-a”</a:t>
+            </a:r>
+            <a:endParaRPr lang="en-US" dirty="0"/>
+          </a:p>
+        </p:txBody>
+      </p:sp>
+      <p:sp>
+        <p:nvSpPr>
+          <p:cNvPr id="8" name="Flowchart: Process 7"/>
+          <p:cNvSpPr/>
+          <p:nvPr/>
+        </p:nvSpPr>
+        <p:spPr>
+          <a:xfrm>
+            <a:off x="4602074" y="4194085"/>
+            <a:ext cx="2901616" cy="474168"/>
+          </a:xfrm>
+          <a:prstGeom prst="flowChartProcess">
+            <a:avLst/>
+          </a:prstGeom>
+        </p:spPr>
+        <p:style>
+          <a:lnRef idx="2">
+            <a:schemeClr val="dk1">
+              <a:shade val="50000"/>
+            </a:schemeClr>
+          </a:lnRef>
+          <a:fillRef idx="1">
+            <a:schemeClr val="dk1"/>
+          </a:fillRef>
+          <a:effectRef idx="0">
+            <a:schemeClr val="dk1"/>
+          </a:effectRef>
+          <a:fontRef idx="minor">
+            <a:schemeClr val="lt1"/>
+          </a:fontRef>
+        </p:style>
+        <p:txBody>
+          <a:bodyPr rtlCol="0" anchor="ctr"/>
+          <a:lstStyle/>
+          <a:p>
+            <a:pPr algn="ctr"/>
+            <a:r>
+              <a:rPr lang="en-US" dirty="0" smtClean="0"/>
+              <a:t>For l in b:</a:t>
+            </a:r>
+            <a:endParaRPr lang="en-US" dirty="0"/>
+          </a:p>
+        </p:txBody>
+      </p:sp>
+      <p:sp>
+        <p:nvSpPr>
+          <p:cNvPr id="9" name="Flowchart: Process 8"/>
+          <p:cNvSpPr/>
+          <p:nvPr/>
+        </p:nvSpPr>
+        <p:spPr>
+          <a:xfrm>
+            <a:off x="4595340" y="4931586"/>
+            <a:ext cx="2901616" cy="474168"/>
+          </a:xfrm>
+          <a:prstGeom prst="flowChartProcess">
+            <a:avLst/>
+          </a:prstGeom>
+        </p:spPr>
+        <p:style>
+          <a:lnRef idx="2">
+            <a:schemeClr val="dk1">
+              <a:shade val="50000"/>
+            </a:schemeClr>
+          </a:lnRef>
+          <a:fillRef idx="1">
+            <a:schemeClr val="dk1"/>
+          </a:fillRef>
+          <a:effectRef idx="0">
+            <a:schemeClr val="dk1"/>
+          </a:effectRef>
+          <a:fontRef idx="minor">
+            <a:schemeClr val="lt1"/>
+          </a:fontRef>
+        </p:style>
+        <p:txBody>
+          <a:bodyPr rtlCol="0" anchor="ctr"/>
+          <a:lstStyle/>
+          <a:p>
+            <a:pPr algn="ctr"/>
+            <a:r>
+              <a:rPr lang="en-US" dirty="0" smtClean="0"/>
+              <a:t>d = l^3</a:t>
+            </a:r>
+            <a:endParaRPr lang="en-US" dirty="0"/>
+          </a:p>
+        </p:txBody>
+      </p:sp>
+      <p:sp>
+        <p:nvSpPr>
+          <p:cNvPr id="10" name="Flowchart: Process 9"/>
+          <p:cNvSpPr/>
+          <p:nvPr/>
+        </p:nvSpPr>
+        <p:spPr>
+          <a:xfrm>
+            <a:off x="4602074" y="5669087"/>
+            <a:ext cx="2901616" cy="474168"/>
+          </a:xfrm>
+          <a:prstGeom prst="flowChartProcess">
+            <a:avLst/>
+          </a:prstGeom>
+        </p:spPr>
+        <p:style>
+          <a:lnRef idx="2">
+            <a:schemeClr val="dk1">
+              <a:shade val="50000"/>
+            </a:schemeClr>
+          </a:lnRef>
+          <a:fillRef idx="1">
+            <a:schemeClr val="dk1"/>
+          </a:fillRef>
+          <a:effectRef idx="0">
+            <a:schemeClr val="dk1"/>
+          </a:effectRef>
+          <a:fontRef idx="minor">
+            <a:schemeClr val="lt1"/>
+          </a:fontRef>
+        </p:style>
+        <p:txBody>
+          <a:bodyPr rtlCol="0" anchor="ctr"/>
+          <a:lstStyle/>
+          <a:p>
+            <a:pPr algn="ctr"/>
+            <a:r>
+              <a:rPr lang="en-US" dirty="0" smtClean="0"/>
+              <a:t>c = c + d</a:t>
+            </a:r>
+            <a:endParaRPr lang="en-US" dirty="0"/>
+          </a:p>
+        </p:txBody>
+      </p:sp>
+      <p:sp>
+        <p:nvSpPr>
+          <p:cNvPr id="11" name="Flowchart: Data 10"/>
+          <p:cNvSpPr/>
+          <p:nvPr/>
+        </p:nvSpPr>
+        <p:spPr>
+          <a:xfrm>
+            <a:off x="4418593" y="6385838"/>
+            <a:ext cx="3268579" cy="463471"/>
+          </a:xfrm>
+          <a:prstGeom prst="flowChartInputOutput">
+            <a:avLst/>
+          </a:prstGeom>
+        </p:spPr>
+        <p:style>
+          <a:lnRef idx="2">
+            <a:schemeClr val="dk1">
+              <a:shade val="50000"/>
+            </a:schemeClr>
+          </a:lnRef>
+          <a:fillRef idx="1">
+            <a:schemeClr val="dk1"/>
+          </a:fillRef>
+          <a:effectRef idx="0">
+            <a:schemeClr val="dk1"/>
+          </a:effectRef>
+          <a:fontRef idx="minor">
+            <a:schemeClr val="lt1"/>
+          </a:fontRef>
+        </p:style>
+        <p:txBody>
+          <a:bodyPr rtlCol="0" anchor="ctr"/>
+          <a:lstStyle/>
+          <a:p>
+            <a:pPr algn="ctr"/>
+            <a:r>
+              <a:rPr lang="en-US" dirty="0" smtClean="0"/>
+              <a:t>PRINT </a:t>
+            </a:r>
+            <a:r>
+              <a:rPr lang="en-US" dirty="0" smtClean="0"/>
+              <a:t>the values in order; y, z, x</a:t>
+            </a:r>
+            <a:endParaRPr lang="en-US" dirty="0"/>
+          </a:p>
+        </p:txBody>
+      </p:sp>
+      <p:sp>
+        <p:nvSpPr>
+          <p:cNvPr id="12" name="Flowchart: Process 11"/>
+          <p:cNvSpPr/>
+          <p:nvPr/>
+        </p:nvSpPr>
+        <p:spPr>
+          <a:xfrm>
+            <a:off x="4602074" y="3456584"/>
+            <a:ext cx="2901616" cy="474168"/>
+          </a:xfrm>
+          <a:prstGeom prst="flowChartProcess">
+            <a:avLst/>
+          </a:prstGeom>
+        </p:spPr>
+        <p:style>
+          <a:lnRef idx="2">
+            <a:schemeClr val="dk1">
+              <a:shade val="50000"/>
+            </a:schemeClr>
+          </a:lnRef>
+          <a:fillRef idx="1">
+            <a:schemeClr val="dk1"/>
+          </a:fillRef>
+          <a:effectRef idx="0">
+            <a:schemeClr val="dk1"/>
+          </a:effectRef>
+          <a:fontRef idx="minor">
+            <a:schemeClr val="lt1"/>
+          </a:fontRef>
+        </p:style>
+        <p:txBody>
+          <a:bodyPr rtlCol="0" anchor="ctr"/>
+          <a:lstStyle/>
+          <a:p>
+            <a:pPr algn="ctr"/>
+            <a:r>
+              <a:rPr lang="en-US" dirty="0" smtClean="0"/>
+              <a:t>INITIALIZE c TO 0</a:t>
+            </a:r>
+            <a:endParaRPr lang="en-US" dirty="0"/>
+          </a:p>
+        </p:txBody>
+      </p:sp>
+      <p:cxnSp>
+        <p:nvCxnSpPr>
+          <p:cNvPr id="14" name="Straight Arrow Connector 13"/>
+          <p:cNvCxnSpPr>
+            <a:stCxn id="4" idx="2"/>
+          </p:cNvCxnSpPr>
+          <p:nvPr/>
+        </p:nvCxnSpPr>
+        <p:spPr>
+          <a:xfrm>
+            <a:off x="6193253" y="1767840"/>
+            <a:ext cx="283" cy="244867"/>
+          </a:xfrm>
+          <a:prstGeom prst="straightConnector1">
+            <a:avLst/>
+          </a:prstGeom>
+          <a:ln>
+            <a:tailEnd type="triangle"/>
+          </a:ln>
+        </p:spPr>
+        <p:style>
+          <a:lnRef idx="3">
+            <a:schemeClr val="dk1"/>
+          </a:lnRef>
+          <a:fillRef idx="0">
+            <a:schemeClr val="dk1"/>
+          </a:fillRef>
+          <a:effectRef idx="2">
+            <a:schemeClr val="dk1"/>
+          </a:effectRef>
+          <a:fontRef idx="minor">
+            <a:schemeClr val="tx1"/>
+          </a:fontRef>
+        </p:style>
+      </p:cxnSp>
+      <p:cxnSp>
+        <p:nvCxnSpPr>
+          <p:cNvPr id="16" name="Straight Arrow Connector 15"/>
+          <p:cNvCxnSpPr>
+            <a:stCxn id="5" idx="4"/>
+          </p:cNvCxnSpPr>
+          <p:nvPr/>
+        </p:nvCxnSpPr>
+        <p:spPr>
+          <a:xfrm flipH="1">
+            <a:off x="6052882" y="2476500"/>
+            <a:ext cx="1" cy="271424"/>
+          </a:xfrm>
+          <a:prstGeom prst="straightConnector1">
+            <a:avLst/>
+          </a:prstGeom>
+          <a:ln>
+            <a:tailEnd type="triangle"/>
+          </a:ln>
+        </p:spPr>
+        <p:style>
+          <a:lnRef idx="3">
+            <a:schemeClr val="dk1"/>
+          </a:lnRef>
+          <a:fillRef idx="0">
+            <a:schemeClr val="dk1"/>
+          </a:fillRef>
+          <a:effectRef idx="2">
+            <a:schemeClr val="dk1"/>
+          </a:effectRef>
+          <a:fontRef idx="minor">
+            <a:schemeClr val="tx1"/>
+          </a:fontRef>
+        </p:style>
+      </p:cxnSp>
+      <p:cxnSp>
+        <p:nvCxnSpPr>
+          <p:cNvPr id="24" name="Straight Arrow Connector 23"/>
+          <p:cNvCxnSpPr>
+            <a:stCxn id="12" idx="2"/>
+            <a:endCxn id="8" idx="0"/>
+          </p:cNvCxnSpPr>
+          <p:nvPr/>
+        </p:nvCxnSpPr>
+        <p:spPr>
+          <a:xfrm>
+            <a:off x="6052882" y="3930752"/>
+            <a:ext cx="0" cy="263333"/>
+          </a:xfrm>
+          <a:prstGeom prst="straightConnector1">
+            <a:avLst/>
+          </a:prstGeom>
+          <a:ln>
+            <a:tailEnd type="triangle"/>
+          </a:ln>
+        </p:spPr>
+        <p:style>
+          <a:lnRef idx="3">
+            <a:schemeClr val="dk1"/>
+          </a:lnRef>
+          <a:fillRef idx="0">
+            <a:schemeClr val="dk1"/>
+          </a:fillRef>
+          <a:effectRef idx="2">
+            <a:schemeClr val="dk1"/>
+          </a:effectRef>
+          <a:fontRef idx="minor">
+            <a:schemeClr val="tx1"/>
+          </a:fontRef>
+        </p:style>
+      </p:cxnSp>
+      <p:cxnSp>
+        <p:nvCxnSpPr>
+          <p:cNvPr id="25" name="Straight Arrow Connector 24"/>
+          <p:cNvCxnSpPr/>
+          <p:nvPr/>
+        </p:nvCxnSpPr>
+        <p:spPr>
+          <a:xfrm>
+            <a:off x="6052882" y="3252042"/>
+            <a:ext cx="0" cy="263333"/>
+          </a:xfrm>
+          <a:prstGeom prst="straightConnector1">
+            <a:avLst/>
+          </a:prstGeom>
+          <a:ln>
+            <a:tailEnd type="triangle"/>
+          </a:ln>
+        </p:spPr>
+        <p:style>
+          <a:lnRef idx="3">
+            <a:schemeClr val="dk1"/>
+          </a:lnRef>
+          <a:fillRef idx="0">
+            <a:schemeClr val="dk1"/>
+          </a:fillRef>
+          <a:effectRef idx="2">
+            <a:schemeClr val="dk1"/>
+          </a:effectRef>
+          <a:fontRef idx="minor">
+            <a:schemeClr val="tx1"/>
+          </a:fontRef>
+        </p:style>
+      </p:cxnSp>
+      <p:cxnSp>
+        <p:nvCxnSpPr>
+          <p:cNvPr id="26" name="Straight Arrow Connector 25"/>
+          <p:cNvCxnSpPr/>
+          <p:nvPr/>
+        </p:nvCxnSpPr>
+        <p:spPr>
+          <a:xfrm>
+            <a:off x="6033510" y="4668253"/>
+            <a:ext cx="0" cy="263333"/>
+          </a:xfrm>
+          <a:prstGeom prst="straightConnector1">
+            <a:avLst/>
+          </a:prstGeom>
+          <a:ln>
+            <a:tailEnd type="triangle"/>
+          </a:ln>
+        </p:spPr>
+        <p:style>
+          <a:lnRef idx="3">
+            <a:schemeClr val="dk1"/>
+          </a:lnRef>
+          <a:fillRef idx="0">
+            <a:schemeClr val="dk1"/>
+          </a:fillRef>
+          <a:effectRef idx="2">
+            <a:schemeClr val="dk1"/>
+          </a:effectRef>
+          <a:fontRef idx="minor">
+            <a:schemeClr val="tx1"/>
+          </a:fontRef>
+        </p:style>
+      </p:cxnSp>
+      <p:cxnSp>
+        <p:nvCxnSpPr>
+          <p:cNvPr id="27" name="Straight Arrow Connector 26"/>
+          <p:cNvCxnSpPr/>
+          <p:nvPr/>
+        </p:nvCxnSpPr>
+        <p:spPr>
+          <a:xfrm>
+            <a:off x="6020872" y="5405754"/>
+            <a:ext cx="0" cy="263333"/>
+          </a:xfrm>
+          <a:prstGeom prst="straightConnector1">
+            <a:avLst/>
+          </a:prstGeom>
+          <a:ln>
+            <a:tailEnd type="triangle"/>
+          </a:ln>
+        </p:spPr>
+        <p:style>
+          <a:lnRef idx="3">
+            <a:schemeClr val="dk1"/>
+          </a:lnRef>
+          <a:fillRef idx="0">
+            <a:schemeClr val="dk1"/>
+          </a:fillRef>
+          <a:effectRef idx="2">
+            <a:schemeClr val="dk1"/>
+          </a:effectRef>
+          <a:fontRef idx="minor">
+            <a:schemeClr val="tx1"/>
+          </a:fontRef>
+        </p:style>
+      </p:cxnSp>
+      <p:cxnSp>
+        <p:nvCxnSpPr>
+          <p:cNvPr id="28" name="Straight Arrow Connector 27"/>
+          <p:cNvCxnSpPr/>
+          <p:nvPr/>
+        </p:nvCxnSpPr>
+        <p:spPr>
+          <a:xfrm>
+            <a:off x="6008234" y="6122505"/>
+            <a:ext cx="0" cy="263333"/>
+          </a:xfrm>
+          <a:prstGeom prst="straightConnector1">
+            <a:avLst/>
+          </a:prstGeom>
+          <a:ln>
+            <a:tailEnd type="triangle"/>
+          </a:ln>
+        </p:spPr>
+        <p:style>
+          <a:lnRef idx="3">
+            <a:schemeClr val="dk1"/>
+          </a:lnRef>
+          <a:fillRef idx="0">
+            <a:schemeClr val="dk1"/>
+          </a:fillRef>
+          <a:effectRef idx="2">
+            <a:schemeClr val="dk1"/>
+          </a:effectRef>
+          <a:fontRef idx="minor">
+            <a:schemeClr val="tx1"/>
+          </a:fontRef>
+        </p:style>
+      </p:cxnSp>
+    </p:spTree>
+    <p:extLst>
+      <p:ext uri="{BB962C8B-B14F-4D97-AF65-F5344CB8AC3E}">
+        <p14:creationId xmlns:p14="http://schemas.microsoft.com/office/powerpoint/2010/main" val="1732795858"/>
       </p:ext>
     </p:extLst>
   </p:cSld>
